--- a/Pubs/CDC16/Paper/figs/OverReachFigure.pptx
+++ b/Pubs/CDC16/Paper/figs/OverReachFigure.pptx
@@ -288,7 +288,7 @@
           <a:p>
             <a:fld id="{2D15D275-A332-439B-8539-769CB1C78085}" type="datetimeFigureOut">
               <a:rPr lang="en-US" smtClean="0"/>
-              <a:t>3/8/2016</a:t>
+              <a:t>3/10/2016</a:t>
             </a:fld>
             <a:endParaRPr lang="en-US"/>
           </a:p>
@@ -458,7 +458,7 @@
           <a:p>
             <a:fld id="{2D15D275-A332-439B-8539-769CB1C78085}" type="datetimeFigureOut">
               <a:rPr lang="en-US" smtClean="0"/>
-              <a:t>3/8/2016</a:t>
+              <a:t>3/10/2016</a:t>
             </a:fld>
             <a:endParaRPr lang="en-US"/>
           </a:p>
@@ -638,7 +638,7 @@
           <a:p>
             <a:fld id="{2D15D275-A332-439B-8539-769CB1C78085}" type="datetimeFigureOut">
               <a:rPr lang="en-US" smtClean="0"/>
-              <a:t>3/8/2016</a:t>
+              <a:t>3/10/2016</a:t>
             </a:fld>
             <a:endParaRPr lang="en-US"/>
           </a:p>
@@ -808,7 +808,7 @@
           <a:p>
             <a:fld id="{2D15D275-A332-439B-8539-769CB1C78085}" type="datetimeFigureOut">
               <a:rPr lang="en-US" smtClean="0"/>
-              <a:t>3/8/2016</a:t>
+              <a:t>3/10/2016</a:t>
             </a:fld>
             <a:endParaRPr lang="en-US"/>
           </a:p>
@@ -1054,7 +1054,7 @@
           <a:p>
             <a:fld id="{2D15D275-A332-439B-8539-769CB1C78085}" type="datetimeFigureOut">
               <a:rPr lang="en-US" smtClean="0"/>
-              <a:t>3/8/2016</a:t>
+              <a:t>3/10/2016</a:t>
             </a:fld>
             <a:endParaRPr lang="en-US"/>
           </a:p>
@@ -1342,7 +1342,7 @@
           <a:p>
             <a:fld id="{2D15D275-A332-439B-8539-769CB1C78085}" type="datetimeFigureOut">
               <a:rPr lang="en-US" smtClean="0"/>
-              <a:t>3/8/2016</a:t>
+              <a:t>3/10/2016</a:t>
             </a:fld>
             <a:endParaRPr lang="en-US"/>
           </a:p>
@@ -1764,7 +1764,7 @@
           <a:p>
             <a:fld id="{2D15D275-A332-439B-8539-769CB1C78085}" type="datetimeFigureOut">
               <a:rPr lang="en-US" smtClean="0"/>
-              <a:t>3/8/2016</a:t>
+              <a:t>3/10/2016</a:t>
             </a:fld>
             <a:endParaRPr lang="en-US"/>
           </a:p>
@@ -1882,7 +1882,7 @@
           <a:p>
             <a:fld id="{2D15D275-A332-439B-8539-769CB1C78085}" type="datetimeFigureOut">
               <a:rPr lang="en-US" smtClean="0"/>
-              <a:t>3/8/2016</a:t>
+              <a:t>3/10/2016</a:t>
             </a:fld>
             <a:endParaRPr lang="en-US"/>
           </a:p>
@@ -1977,7 +1977,7 @@
           <a:p>
             <a:fld id="{2D15D275-A332-439B-8539-769CB1C78085}" type="datetimeFigureOut">
               <a:rPr lang="en-US" smtClean="0"/>
-              <a:t>3/8/2016</a:t>
+              <a:t>3/10/2016</a:t>
             </a:fld>
             <a:endParaRPr lang="en-US"/>
           </a:p>
@@ -2254,7 +2254,7 @@
           <a:p>
             <a:fld id="{2D15D275-A332-439B-8539-769CB1C78085}" type="datetimeFigureOut">
               <a:rPr lang="en-US" smtClean="0"/>
-              <a:t>3/8/2016</a:t>
+              <a:t>3/10/2016</a:t>
             </a:fld>
             <a:endParaRPr lang="en-US"/>
           </a:p>
@@ -2507,7 +2507,7 @@
           <a:p>
             <a:fld id="{2D15D275-A332-439B-8539-769CB1C78085}" type="datetimeFigureOut">
               <a:rPr lang="en-US" smtClean="0"/>
-              <a:t>3/8/2016</a:t>
+              <a:t>3/10/2016</a:t>
             </a:fld>
             <a:endParaRPr lang="en-US"/>
           </a:p>
@@ -2720,7 +2720,7 @@
           <a:p>
             <a:fld id="{2D15D275-A332-439B-8539-769CB1C78085}" type="datetimeFigureOut">
               <a:rPr lang="en-US" smtClean="0"/>
-              <a:t>3/8/2016</a:t>
+              <a:t>3/10/2016</a:t>
             </a:fld>
             <a:endParaRPr lang="en-US"/>
           </a:p>
@@ -3222,8 +3222,8 @@
           </a:fontRef>
         </p:style>
       </p:cxnSp>
-      <mc:AlternateContent xmlns:mc="http://schemas.openxmlformats.org/markup-compatibility/2006">
-        <mc:Choice xmlns:a14="http://schemas.microsoft.com/office/drawing/2010/main" Requires="a14">
+      <mc:AlternateContent xmlns:mc="http://schemas.openxmlformats.org/markup-compatibility/2006" xmlns:a14="http://schemas.microsoft.com/office/drawing/2010/main">
+        <mc:Choice Requires="a14">
           <p:sp>
             <p:nvSpPr>
               <p:cNvPr id="8" name="TextBox 7"/>
@@ -3246,6 +3246,7 @@
               </a:bodyPr>
               <a:lstStyle/>
               <a:p>
+                <a:pPr/>
                 <a14:m>
                   <m:oMathPara xmlns:m="http://schemas.openxmlformats.org/officeDocument/2006/math">
                     <m:oMathParaPr>
@@ -3284,7 +3285,7 @@
             </p:txBody>
           </p:sp>
         </mc:Choice>
-        <mc:Fallback>
+        <mc:Fallback xmlns="">
           <p:sp>
             <p:nvSpPr>
               <p:cNvPr id="8" name="TextBox 7"/>
@@ -3359,8 +3360,8 @@
           </a:fontRef>
         </p:style>
       </p:cxnSp>
-      <mc:AlternateContent xmlns:mc="http://schemas.openxmlformats.org/markup-compatibility/2006">
-        <mc:Choice xmlns:a14="http://schemas.microsoft.com/office/drawing/2010/main" Requires="a14">
+      <mc:AlternateContent xmlns:mc="http://schemas.openxmlformats.org/markup-compatibility/2006" xmlns:a14="http://schemas.microsoft.com/office/drawing/2010/main">
+        <mc:Choice Requires="a14">
           <p:sp>
             <p:nvSpPr>
               <p:cNvPr id="12" name="TextBox 11"/>
@@ -3383,6 +3384,7 @@
               </a:bodyPr>
               <a:lstStyle/>
               <a:p>
+                <a:pPr/>
                 <a14:m>
                   <m:oMathPara xmlns:m="http://schemas.openxmlformats.org/officeDocument/2006/math">
                     <m:oMathParaPr>
@@ -3478,7 +3480,7 @@
             </p:txBody>
           </p:sp>
         </mc:Choice>
-        <mc:Fallback>
+        <mc:Fallback xmlns="">
           <p:sp>
             <p:nvSpPr>
               <p:cNvPr id="12" name="TextBox 11"/>
@@ -3625,8 +3627,8 @@
           </a:p>
         </p:txBody>
       </p:sp>
-      <mc:AlternateContent xmlns:mc="http://schemas.openxmlformats.org/markup-compatibility/2006">
-        <mc:Choice xmlns:a14="http://schemas.microsoft.com/office/drawing/2010/main" Requires="a14">
+      <mc:AlternateContent xmlns:mc="http://schemas.openxmlformats.org/markup-compatibility/2006" xmlns:a14="http://schemas.microsoft.com/office/drawing/2010/main">
+        <mc:Choice Requires="a14">
           <p:sp>
             <p:nvSpPr>
               <p:cNvPr id="21" name="TextBox 20"/>
@@ -3649,6 +3651,7 @@
               </a:bodyPr>
               <a:lstStyle/>
               <a:p>
+                <a:pPr/>
                 <a14:m>
                   <m:oMathPara xmlns:m="http://schemas.openxmlformats.org/officeDocument/2006/math">
                     <m:oMathParaPr>
@@ -3718,7 +3721,7 @@
             </p:txBody>
           </p:sp>
         </mc:Choice>
-        <mc:Fallback>
+        <mc:Fallback xmlns="">
           <p:sp>
             <p:nvSpPr>
               <p:cNvPr id="21" name="TextBox 20"/>
@@ -3943,8 +3946,8 @@
         </p:nvCxnSpPr>
         <p:spPr>
           <a:xfrm flipV="1">
-            <a:off x="3962400" y="1770615"/>
-            <a:ext cx="978665" cy="228575"/>
+            <a:off x="3962400" y="1922815"/>
+            <a:ext cx="1435865" cy="76376"/>
           </a:xfrm>
           <a:prstGeom prst="line">
             <a:avLst/>
@@ -3974,7 +3977,7 @@
         <p:spPr>
           <a:xfrm>
             <a:off x="4038600" y="2438400"/>
-            <a:ext cx="902465" cy="57143"/>
+            <a:ext cx="1359665" cy="167355"/>
           </a:xfrm>
           <a:prstGeom prst="line">
             <a:avLst/>
@@ -4005,7 +4008,7 @@
             </p:nvSpPr>
             <p:spPr>
               <a:xfrm>
-                <a:off x="4152900" y="2743200"/>
+                <a:off x="3359225" y="4114800"/>
                 <a:ext cx="1712205" cy="307777"/>
               </a:xfrm>
               <a:prstGeom prst="rect">
@@ -4019,6 +4022,7 @@
               </a:bodyPr>
               <a:lstStyle/>
               <a:p>
+                <a:pPr/>
                 <a14:m>
                   <m:oMathPara xmlns:m="http://schemas.openxmlformats.org/officeDocument/2006/math">
                     <m:oMathParaPr>
@@ -4041,20 +4045,7 @@
                         <a:rPr lang="en-US" sz="1400" b="0" i="1" baseline="-25000" smtClean="0">
                           <a:latin typeface="Cambria Math"/>
                         </a:rPr>
-                        <m:t>+</m:t>
-                      </m:r>
-                      <m:r>
-                        <a:rPr lang="en-US" sz="1400" b="0" i="1" baseline="-25000" smtClean="0">
-                          <a:latin typeface="Cambria Math"/>
-                        </a:rPr>
-                        <m:t>1</m:t>
-                      </m:r>
-                      <m:r>
-                        <a:rPr lang="en-US" sz="1400" b="0" i="1" smtClean="0">
-                          <a:latin typeface="Cambria Math"/>
-                          <a:ea typeface="Cambria Math"/>
-                        </a:rPr>
-                        <m:t>∈</m:t>
+                        <m:t>+1∈</m:t>
                       </m:r>
                       <m:acc>
                         <m:accPr>
@@ -4084,19 +4075,7 @@
                         <a:rPr lang="en-US" sz="1400" b="0" i="1" baseline="-25000" smtClean="0">
                           <a:latin typeface="Cambria Math"/>
                         </a:rPr>
-                        <m:t>+</m:t>
-                      </m:r>
-                      <m:r>
-                        <a:rPr lang="en-US" sz="1400" b="0" i="1" baseline="-25000" smtClean="0">
-                          <a:latin typeface="Cambria Math"/>
-                        </a:rPr>
-                        <m:t>1</m:t>
-                      </m:r>
-                      <m:r>
-                        <a:rPr lang="en-US" sz="1400" b="0" i="1" baseline="-25000" smtClean="0">
-                          <a:latin typeface="Cambria Math"/>
-                        </a:rPr>
-                        <m:t>|</m:t>
+                        <m:t>+1|</m:t>
                       </m:r>
                       <m:r>
                         <a:rPr lang="en-US" sz="1400" b="0" i="1" baseline="-25000" smtClean="0">
@@ -4108,13 +4087,7 @@
                         <a:rPr lang="en-US" sz="1400" b="0" i="1" baseline="-25000" smtClean="0">
                           <a:latin typeface="Cambria Math"/>
                         </a:rPr>
-                        <m:t>+</m:t>
-                      </m:r>
-                      <m:r>
-                        <a:rPr lang="en-US" sz="1400" b="0" i="1" baseline="-25000" smtClean="0">
-                          <a:latin typeface="Cambria Math"/>
-                        </a:rPr>
-                        <m:t>1</m:t>
+                        <m:t>+1</m:t>
                       </m:r>
                     </m:oMath>
                   </m:oMathPara>
@@ -4135,7 +4108,7 @@
             </p:nvSpPr>
             <p:spPr>
               <a:xfrm>
-                <a:off x="4152900" y="2743200"/>
+                <a:off x="3359225" y="4114800"/>
                 <a:ext cx="1712205" cy="307777"/>
               </a:xfrm>
               <a:prstGeom prst="rect">
@@ -4171,7 +4144,7 @@
         </p:nvSpPr>
         <p:spPr>
           <a:xfrm>
-            <a:off x="4941065" y="1770615"/>
+            <a:off x="5398265" y="1922815"/>
             <a:ext cx="697735" cy="743985"/>
           </a:xfrm>
           <a:prstGeom prst="rect">
@@ -4219,7 +4192,7 @@
         <p:spPr>
           <a:xfrm flipV="1">
             <a:off x="4197426" y="990600"/>
-            <a:ext cx="254306" cy="149423"/>
+            <a:ext cx="874004" cy="149424"/>
           </a:xfrm>
           <a:prstGeom prst="line">
             <a:avLst/>
@@ -4249,7 +4222,7 @@
         <p:spPr>
           <a:xfrm>
             <a:off x="4191000" y="2537365"/>
-            <a:ext cx="260732" cy="136780"/>
+            <a:ext cx="880430" cy="129435"/>
           </a:xfrm>
           <a:prstGeom prst="line">
             <a:avLst/>
@@ -4278,7 +4251,7 @@
         </p:nvSpPr>
         <p:spPr>
           <a:xfrm>
-            <a:off x="4451732" y="987027"/>
+            <a:off x="5071430" y="987027"/>
             <a:ext cx="1644268" cy="1687117"/>
           </a:xfrm>
           <a:prstGeom prst="rect">
@@ -4311,6 +4284,127 @@
           <a:p>
             <a:pPr algn="ctr"/>
             <a:endParaRPr lang="en-US"/>
+          </a:p>
+        </p:txBody>
+      </p:sp>
+      <p:sp>
+        <p:nvSpPr>
+          <p:cNvPr id="30" name="Rectangle 29"/>
+          <p:cNvSpPr/>
+          <p:nvPr/>
+        </p:nvSpPr>
+        <p:spPr>
+          <a:xfrm>
+            <a:off x="4800600" y="762000"/>
+            <a:ext cx="2133600" cy="2209800"/>
+          </a:xfrm>
+          <a:prstGeom prst="rect">
+            <a:avLst/>
+          </a:prstGeom>
+          <a:noFill/>
+          <a:ln>
+            <a:prstDash val="solid"/>
+          </a:ln>
+        </p:spPr>
+        <p:style>
+          <a:lnRef idx="2">
+            <a:schemeClr val="accent1">
+              <a:shade val="50000"/>
+            </a:schemeClr>
+          </a:lnRef>
+          <a:fillRef idx="1">
+            <a:schemeClr val="accent1"/>
+          </a:fillRef>
+          <a:effectRef idx="0">
+            <a:schemeClr val="accent1"/>
+          </a:effectRef>
+          <a:fontRef idx="minor">
+            <a:schemeClr val="lt1"/>
+          </a:fontRef>
+        </p:style>
+        <p:txBody>
+          <a:bodyPr rtlCol="0" anchor="ctr"/>
+          <a:lstStyle/>
+          <a:p>
+            <a:pPr algn="ctr"/>
+            <a:endParaRPr lang="en-US"/>
+          </a:p>
+        </p:txBody>
+      </p:sp>
+      <p:sp>
+        <p:nvSpPr>
+          <p:cNvPr id="31" name="Rectangle 30"/>
+          <p:cNvSpPr/>
+          <p:nvPr/>
+        </p:nvSpPr>
+        <p:spPr>
+          <a:xfrm>
+            <a:off x="5143040" y="1689674"/>
+            <a:ext cx="1181559" cy="1282125"/>
+          </a:xfrm>
+          <a:prstGeom prst="rect">
+            <a:avLst/>
+          </a:prstGeom>
+          <a:noFill/>
+          <a:ln>
+            <a:solidFill>
+              <a:schemeClr val="tx1"/>
+            </a:solidFill>
+            <a:prstDash val="solid"/>
+          </a:ln>
+        </p:spPr>
+        <p:style>
+          <a:lnRef idx="2">
+            <a:schemeClr val="accent1">
+              <a:shade val="50000"/>
+            </a:schemeClr>
+          </a:lnRef>
+          <a:fillRef idx="1">
+            <a:schemeClr val="accent1"/>
+          </a:fillRef>
+          <a:effectRef idx="0">
+            <a:schemeClr val="accent1"/>
+          </a:effectRef>
+          <a:fontRef idx="minor">
+            <a:schemeClr val="lt1"/>
+          </a:fontRef>
+        </p:style>
+        <p:txBody>
+          <a:bodyPr rtlCol="0" anchor="ctr"/>
+          <a:lstStyle/>
+          <a:p>
+            <a:pPr algn="ctr"/>
+            <a:endParaRPr lang="en-US"/>
+          </a:p>
+        </p:txBody>
+      </p:sp>
+      <p:sp>
+        <p:nvSpPr>
+          <p:cNvPr id="14" name="TextBox 13"/>
+          <p:cNvSpPr txBox="1"/>
+          <p:nvPr/>
+        </p:nvSpPr>
+        <p:spPr>
+          <a:xfrm>
+            <a:off x="7391400" y="1600200"/>
+            <a:ext cx="685800" cy="584775"/>
+          </a:xfrm>
+          <a:prstGeom prst="rect">
+            <a:avLst/>
+          </a:prstGeom>
+          <a:noFill/>
+        </p:spPr>
+        <p:txBody>
+          <a:bodyPr wrap="square" rtlCol="0">
+            <a:spAutoFit/>
+          </a:bodyPr>
+          <a:lstStyle/>
+          <a:p>
+            <a:r>
+              <a:rPr lang="en-US" sz="3200" b="1" dirty="0" smtClean="0"/>
+              <a:t>…</a:t>
+            </a:r>
+            <a:endParaRPr lang="en-US" sz="3200" b="1" dirty="0"/>
           </a:p>
         </p:txBody>
       </p:sp>

--- a/Pubs/CDC16/Paper/figs/OverReachFigure.pptx
+++ b/Pubs/CDC16/Paper/figs/OverReachFigure.pptx
@@ -3952,6 +3952,12 @@
           <a:prstGeom prst="line">
             <a:avLst/>
           </a:prstGeom>
+          <a:ln w="19050">
+            <a:solidFill>
+              <a:schemeClr val="tx1"/>
+            </a:solidFill>
+            <a:prstDash val="sysDash"/>
+          </a:ln>
         </p:spPr>
         <p:style>
           <a:lnRef idx="1">
@@ -3982,6 +3988,12 @@
           <a:prstGeom prst="line">
             <a:avLst/>
           </a:prstGeom>
+          <a:ln w="19050">
+            <a:solidFill>
+              <a:schemeClr val="tx1"/>
+            </a:solidFill>
+            <a:prstDash val="sysDash"/>
+          </a:ln>
         </p:spPr>
         <p:style>
           <a:lnRef idx="1">
@@ -4008,7 +4020,7 @@
             </p:nvSpPr>
             <p:spPr>
               <a:xfrm>
-                <a:off x="3359225" y="4114800"/>
+                <a:off x="2610997" y="3141643"/>
                 <a:ext cx="1712205" cy="307777"/>
               </a:xfrm>
               <a:prstGeom prst="rect">
@@ -4108,7 +4120,7 @@
             </p:nvSpPr>
             <p:spPr>
               <a:xfrm>
-                <a:off x="3359225" y="4114800"/>
+                <a:off x="2610997" y="3141643"/>
                 <a:ext cx="1712205" cy="307777"/>
               </a:xfrm>
               <a:prstGeom prst="rect">
@@ -4117,7 +4129,7 @@
               <a:blipFill rotWithShape="1">
                 <a:blip r:embed="rId5"/>
                 <a:stretch>
-                  <a:fillRect b="-20000"/>
+                  <a:fillRect b="-17647"/>
                 </a:stretch>
               </a:blipFill>
             </p:spPr>
@@ -4296,7 +4308,7 @@
         <p:spPr>
           <a:xfrm>
             <a:off x="4800600" y="762000"/>
-            <a:ext cx="2133600" cy="2209800"/>
+            <a:ext cx="2209800" cy="2209800"/>
           </a:xfrm>
           <a:prstGeom prst="rect">
             <a:avLst/>

--- a/Pubs/CDC16/Paper/figs/OverReachFigure.pptx
+++ b/Pubs/CDC16/Paper/figs/OverReachFigure.pptx
@@ -3222,8 +3222,8 @@
           </a:fontRef>
         </p:style>
       </p:cxnSp>
-      <mc:AlternateContent xmlns:mc="http://schemas.openxmlformats.org/markup-compatibility/2006" xmlns:a14="http://schemas.microsoft.com/office/drawing/2010/main">
-        <mc:Choice Requires="a14">
+      <mc:AlternateContent xmlns:mc="http://schemas.openxmlformats.org/markup-compatibility/2006">
+        <mc:Choice xmlns:a14="http://schemas.microsoft.com/office/drawing/2010/main" Requires="a14">
           <p:sp>
             <p:nvSpPr>
               <p:cNvPr id="8" name="TextBox 7"/>
@@ -3233,7 +3233,7 @@
             <p:spPr>
               <a:xfrm>
                 <a:off x="609600" y="1905000"/>
-                <a:ext cx="533400" cy="302840"/>
+                <a:ext cx="533400" cy="272767"/>
               </a:xfrm>
               <a:prstGeom prst="rect">
                 <a:avLst/>
@@ -3257,14 +3257,14 @@
                         <m:accPr>
                           <m:chr m:val="̂"/>
                           <m:ctrlPr>
-                            <a:rPr lang="en-US" sz="1400" i="1" smtClean="0">
+                            <a:rPr lang="en-US" sz="1200" i="1" smtClean="0">
                               <a:latin typeface="Cambria Math"/>
                             </a:rPr>
                           </m:ctrlPr>
                         </m:accPr>
                         <m:e>
                           <m:r>
-                            <a:rPr lang="en-US" sz="1400" b="0" i="1" smtClean="0">
+                            <a:rPr lang="en-US" sz="1200" b="0" i="1" smtClean="0">
                               <a:latin typeface="Cambria Math"/>
                             </a:rPr>
                             <m:t>𝑧</m:t>
@@ -3272,7 +3272,7 @@
                         </m:e>
                       </m:acc>
                       <m:r>
-                        <a:rPr lang="en-US" sz="1400" b="0" i="1" baseline="-25000" smtClean="0">
+                        <a:rPr lang="en-US" sz="1200" b="0" i="1" baseline="-25000" smtClean="0">
                           <a:latin typeface="Cambria Math"/>
                         </a:rPr>
                         <m:t>𝑘</m:t>
@@ -3280,12 +3280,12 @@
                     </m:oMath>
                   </m:oMathPara>
                 </a14:m>
-                <a:endParaRPr lang="en-US" sz="1400" baseline="-25000" dirty="0"/>
+                <a:endParaRPr lang="en-US" sz="1200" baseline="-25000" dirty="0"/>
               </a:p>
             </p:txBody>
           </p:sp>
         </mc:Choice>
-        <mc:Fallback xmlns="">
+        <mc:Fallback>
           <p:sp>
             <p:nvSpPr>
               <p:cNvPr id="8" name="TextBox 7"/>
@@ -3297,7 +3297,7 @@
             <p:spPr>
               <a:xfrm>
                 <a:off x="609600" y="1905000"/>
-                <a:ext cx="533400" cy="302840"/>
+                <a:ext cx="533400" cy="272767"/>
               </a:xfrm>
               <a:prstGeom prst="rect">
                 <a:avLst/>
@@ -3305,7 +3305,7 @@
               <a:blipFill rotWithShape="1">
                 <a:blip r:embed="rId2"/>
                 <a:stretch>
-                  <a:fillRect r="-2273"/>
+                  <a:fillRect/>
                 </a:stretch>
               </a:blipFill>
             </p:spPr>
@@ -3360,8 +3360,8 @@
           </a:fontRef>
         </p:style>
       </p:cxnSp>
-      <mc:AlternateContent xmlns:mc="http://schemas.openxmlformats.org/markup-compatibility/2006" xmlns:a14="http://schemas.microsoft.com/office/drawing/2010/main">
-        <mc:Choice Requires="a14">
+      <mc:AlternateContent xmlns:mc="http://schemas.openxmlformats.org/markup-compatibility/2006">
+        <mc:Choice xmlns:a14="http://schemas.microsoft.com/office/drawing/2010/main" Requires="a14">
           <p:sp>
             <p:nvSpPr>
               <p:cNvPr id="12" name="TextBox 11"/>
@@ -3370,8 +3370,8 @@
             </p:nvSpPr>
             <p:spPr>
               <a:xfrm>
-                <a:off x="533400" y="2362200"/>
-                <a:ext cx="533400" cy="311945"/>
+                <a:off x="248109" y="2381392"/>
+                <a:ext cx="1905000" cy="280590"/>
               </a:xfrm>
               <a:prstGeom prst="rect">
                 <a:avLst/>
@@ -3391,24 +3391,60 @@
                       <m:jc m:val="centerGroup"/>
                     </m:oMathParaPr>
                     <m:oMath xmlns:m="http://schemas.openxmlformats.org/officeDocument/2006/math">
-                      <m:r>
-                        <a:rPr lang="en-US" sz="1400" b="0" i="1" smtClean="0">
-                          <a:latin typeface="Cambria Math"/>
-                        </a:rPr>
-                        <m:t>{</m:t>
-                      </m:r>
                       <m:acc>
                         <m:accPr>
-                          <m:chr m:val="̂"/>
+                          <m:chr m:val="̅"/>
                           <m:ctrlPr>
-                            <a:rPr lang="en-US" sz="1400" i="1" smtClean="0">
+                            <a:rPr lang="en-US" sz="1200" b="0" i="1" smtClean="0">
                               <a:latin typeface="Cambria Math"/>
                             </a:rPr>
                           </m:ctrlPr>
                         </m:accPr>
                         <m:e>
                           <m:r>
-                            <a:rPr lang="en-US" sz="1400" b="0" i="1" smtClean="0">
+                            <a:rPr lang="en-US" sz="1200" b="0" i="1" smtClean="0">
+                              <a:latin typeface="Cambria Math"/>
+                            </a:rPr>
+                            <m:t>𝑍</m:t>
+                          </m:r>
+                        </m:e>
+                      </m:acc>
+                      <m:r>
+                        <a:rPr lang="en-US" sz="1200" b="0" i="1" baseline="-25000" smtClean="0">
+                          <a:latin typeface="Cambria Math"/>
+                        </a:rPr>
+                        <m:t>𝑘</m:t>
+                      </m:r>
+                      <m:r>
+                        <a:rPr lang="en-US" sz="1200" b="0" i="1" baseline="-25000" smtClean="0">
+                          <a:latin typeface="Cambria Math"/>
+                        </a:rPr>
+                        <m:t>|</m:t>
+                      </m:r>
+                      <m:r>
+                        <a:rPr lang="en-US" sz="1200" b="0" i="1" baseline="-25000" smtClean="0">
+                          <a:latin typeface="Cambria Math"/>
+                        </a:rPr>
+                        <m:t>𝑘</m:t>
+                      </m:r>
+                      <m:r>
+                        <a:rPr lang="en-US" sz="1200" b="0" i="1" baseline="-25000" smtClean="0">
+                          <a:latin typeface="Cambria Math"/>
+                        </a:rPr>
+                        <m:t>={</m:t>
+                      </m:r>
+                      <m:acc>
+                        <m:accPr>
+                          <m:chr m:val="̂"/>
+                          <m:ctrlPr>
+                            <a:rPr lang="en-US" sz="1200" i="1" smtClean="0">
+                              <a:latin typeface="Cambria Math"/>
+                            </a:rPr>
+                          </m:ctrlPr>
+                        </m:accPr>
+                        <m:e>
+                          <m:r>
+                            <a:rPr lang="en-US" sz="1200" b="0" i="1" smtClean="0">
                               <a:latin typeface="Cambria Math"/>
                             </a:rPr>
                             <m:t>𝑧</m:t>
@@ -3416,19 +3452,19 @@
                         </m:e>
                       </m:acc>
                       <m:r>
-                        <a:rPr lang="en-US" sz="1400" b="0" i="1" baseline="-25000" smtClean="0">
+                        <a:rPr lang="en-US" sz="1200" b="0" i="1" baseline="-25000" smtClean="0">
                           <a:latin typeface="Cambria Math"/>
                         </a:rPr>
                         <m:t>𝑘</m:t>
                       </m:r>
                       <m:r>
-                        <a:rPr lang="en-US" sz="1400" b="0" i="1" smtClean="0">
+                        <a:rPr lang="en-US" sz="1200" b="0" i="1" smtClean="0">
                           <a:latin typeface="Cambria Math"/>
                         </a:rPr>
                         <m:t>}</m:t>
                       </m:r>
                       <m:r>
-                        <a:rPr lang="en-US" sz="1400" b="0" i="1" smtClean="0">
+                        <a:rPr lang="en-US" sz="1200" b="0" i="1" smtClean="0">
                           <a:latin typeface="Cambria Math"/>
                           <a:ea typeface="Cambria Math"/>
                         </a:rPr>
@@ -3438,7 +3474,7 @@
                         <m:accPr>
                           <m:chr m:val="̃"/>
                           <m:ctrlPr>
-                            <a:rPr lang="en-US" sz="1400" b="0" i="1" smtClean="0">
+                            <a:rPr lang="en-US" sz="1200" b="0" i="1" smtClean="0">
                               <a:latin typeface="Cambria Math"/>
                               <a:ea typeface="Cambria Math"/>
                             </a:rPr>
@@ -3446,7 +3482,7 @@
                         </m:accPr>
                         <m:e>
                           <m:r>
-                            <a:rPr lang="en-US" sz="1400" b="0" i="1" smtClean="0">
+                            <a:rPr lang="en-US" sz="1200" b="0" i="1" smtClean="0">
                               <a:latin typeface="Cambria Math"/>
                               <a:ea typeface="Cambria Math"/>
                             </a:rPr>
@@ -3455,19 +3491,19 @@
                         </m:e>
                       </m:acc>
                       <m:r>
-                        <a:rPr lang="en-US" sz="1400" b="0" i="1" baseline="-25000" smtClean="0">
+                        <a:rPr lang="en-US" sz="1200" b="0" i="1" baseline="-25000" smtClean="0">
                           <a:latin typeface="Cambria Math"/>
                         </a:rPr>
                         <m:t>𝑘</m:t>
                       </m:r>
                       <m:r>
-                        <a:rPr lang="en-US" sz="1400" b="0" i="1" baseline="-25000" smtClean="0">
+                        <a:rPr lang="en-US" sz="1200" b="0" i="1" baseline="-25000" smtClean="0">
                           <a:latin typeface="Cambria Math"/>
                         </a:rPr>
                         <m:t>|</m:t>
                       </m:r>
                       <m:r>
-                        <a:rPr lang="en-US" sz="1400" b="0" i="1" baseline="-25000" smtClean="0">
+                        <a:rPr lang="en-US" sz="1200" b="0" i="1" baseline="-25000" smtClean="0">
                           <a:latin typeface="Cambria Math"/>
                         </a:rPr>
                         <m:t>𝑘</m:t>
@@ -3475,12 +3511,12 @@
                     </m:oMath>
                   </m:oMathPara>
                 </a14:m>
-                <a:endParaRPr lang="en-US" sz="1400" baseline="-25000" dirty="0"/>
+                <a:endParaRPr lang="en-US" sz="1200" baseline="-25000" dirty="0"/>
               </a:p>
             </p:txBody>
           </p:sp>
         </mc:Choice>
-        <mc:Fallback xmlns="">
+        <mc:Fallback>
           <p:sp>
             <p:nvSpPr>
               <p:cNvPr id="12" name="TextBox 11"/>
@@ -3491,8 +3527,8 @@
             </p:nvSpPr>
             <p:spPr>
               <a:xfrm>
-                <a:off x="533400" y="2362200"/>
-                <a:ext cx="533400" cy="311945"/>
+                <a:off x="248109" y="2381392"/>
+                <a:ext cx="1905000" cy="280590"/>
               </a:xfrm>
               <a:prstGeom prst="rect">
                 <a:avLst/>
@@ -3500,7 +3536,7 @@
               <a:blipFill rotWithShape="1">
                 <a:blip r:embed="rId3"/>
                 <a:stretch>
-                  <a:fillRect r="-73563" b="-17647"/>
+                  <a:fillRect t="-2174" b="-19565"/>
                 </a:stretch>
               </a:blipFill>
             </p:spPr>
@@ -3946,8 +3982,8 @@
         </p:nvCxnSpPr>
         <p:spPr>
           <a:xfrm flipV="1">
-            <a:off x="3962400" y="1922815"/>
-            <a:ext cx="1435865" cy="76376"/>
+            <a:off x="6298435" y="1447800"/>
+            <a:ext cx="1626365" cy="239606"/>
           </a:xfrm>
           <a:prstGeom prst="line">
             <a:avLst/>
@@ -3983,7 +4019,7 @@
         <p:spPr>
           <a:xfrm>
             <a:off x="4038600" y="2438400"/>
-            <a:ext cx="1359665" cy="167355"/>
+            <a:ext cx="1359665" cy="228400"/>
           </a:xfrm>
           <a:prstGeom prst="line">
             <a:avLst/>
@@ -4020,8 +4056,8 @@
             </p:nvSpPr>
             <p:spPr>
               <a:xfrm>
-                <a:off x="2610997" y="3141643"/>
-                <a:ext cx="1712205" cy="307777"/>
+                <a:off x="3581400" y="375092"/>
+                <a:ext cx="1712205" cy="276999"/>
               </a:xfrm>
               <a:prstGeom prst="rect">
                 <a:avLst/>
@@ -4042,35 +4078,47 @@
                     </m:oMathParaPr>
                     <m:oMath xmlns:m="http://schemas.openxmlformats.org/officeDocument/2006/math">
                       <m:r>
-                        <a:rPr lang="en-US" sz="1400" b="0" i="1" smtClean="0">
+                        <a:rPr lang="en-US" sz="1200" b="0" i="1" smtClean="0">
                           <a:latin typeface="Cambria Math"/>
                         </a:rPr>
                         <m:t>𝑣</m:t>
                       </m:r>
                       <m:r>
-                        <a:rPr lang="en-US" sz="1400" b="0" i="1" baseline="-25000" smtClean="0">
+                        <a:rPr lang="en-US" sz="1200" b="0" i="1" baseline="-25000" smtClean="0">
                           <a:latin typeface="Cambria Math"/>
                         </a:rPr>
                         <m:t>𝑘</m:t>
                       </m:r>
                       <m:r>
-                        <a:rPr lang="en-US" sz="1400" b="0" i="1" baseline="-25000" smtClean="0">
+                        <a:rPr lang="en-US" sz="1200" b="0" i="1" baseline="-25000" smtClean="0">
                           <a:latin typeface="Cambria Math"/>
                         </a:rPr>
-                        <m:t>+1∈</m:t>
+                        <m:t>+</m:t>
+                      </m:r>
+                      <m:r>
+                        <a:rPr lang="en-US" sz="1200" b="0" i="1" baseline="-25000" smtClean="0">
+                          <a:latin typeface="Cambria Math"/>
+                        </a:rPr>
+                        <m:t>1</m:t>
+                      </m:r>
+                      <m:r>
+                        <a:rPr lang="en-US" sz="1200" b="0" i="1" smtClean="0">
+                          <a:latin typeface="Cambria Math"/>
+                        </a:rPr>
+                        <m:t>∈</m:t>
                       </m:r>
                       <m:acc>
                         <m:accPr>
                           <m:chr m:val="̅"/>
                           <m:ctrlPr>
-                            <a:rPr lang="en-US" sz="1400" i="1" smtClean="0">
+                            <a:rPr lang="en-US" sz="1200" i="1" smtClean="0">
                               <a:latin typeface="Cambria Math"/>
                             </a:rPr>
                           </m:ctrlPr>
                         </m:accPr>
                         <m:e>
                           <m:r>
-                            <a:rPr lang="en-US" sz="1400" b="0" i="1" smtClean="0">
+                            <a:rPr lang="en-US" sz="1200" b="0" i="1" smtClean="0">
                               <a:latin typeface="Cambria Math"/>
                             </a:rPr>
                             <m:t>𝑉</m:t>
@@ -4078,33 +4126,39 @@
                         </m:e>
                       </m:acc>
                       <m:r>
-                        <a:rPr lang="en-US" sz="1400" b="0" i="1" baseline="-25000" smtClean="0">
+                        <a:rPr lang="en-US" sz="1200" b="0" i="1" baseline="-25000" smtClean="0">
                           <a:latin typeface="Cambria Math"/>
                         </a:rPr>
                         <m:t>𝑘</m:t>
                       </m:r>
                       <m:r>
-                        <a:rPr lang="en-US" sz="1400" b="0" i="1" baseline="-25000" smtClean="0">
+                        <a:rPr lang="en-US" sz="1200" b="0" i="1" baseline="-25000" smtClean="0">
                           <a:latin typeface="Cambria Math"/>
                         </a:rPr>
-                        <m:t>+1|</m:t>
+                        <m:t>+</m:t>
                       </m:r>
                       <m:r>
-                        <a:rPr lang="en-US" sz="1400" b="0" i="1" baseline="-25000" smtClean="0">
+                        <a:rPr lang="en-US" sz="1200" b="0" i="1" baseline="-25000" smtClean="0">
+                          <a:latin typeface="Cambria Math"/>
+                        </a:rPr>
+                        <m:t>1</m:t>
+                      </m:r>
+                      <m:r>
+                        <a:rPr lang="en-US" sz="1200" b="0" i="1" baseline="-25000" smtClean="0">
+                          <a:latin typeface="Cambria Math"/>
+                        </a:rPr>
+                        <m:t>|</m:t>
+                      </m:r>
+                      <m:r>
+                        <a:rPr lang="en-US" sz="1200" b="0" i="1" baseline="-25000" smtClean="0">
                           <a:latin typeface="Cambria Math"/>
                         </a:rPr>
                         <m:t>𝑘</m:t>
                       </m:r>
-                      <m:r>
-                        <a:rPr lang="en-US" sz="1400" b="0" i="1" baseline="-25000" smtClean="0">
-                          <a:latin typeface="Cambria Math"/>
-                        </a:rPr>
-                        <m:t>+1</m:t>
-                      </m:r>
                     </m:oMath>
                   </m:oMathPara>
                 </a14:m>
-                <a:endParaRPr lang="en-US" sz="1400" dirty="0"/>
+                <a:endParaRPr lang="en-US" sz="1200" dirty="0"/>
               </a:p>
             </p:txBody>
           </p:sp>
@@ -4120,8 +4174,8 @@
             </p:nvSpPr>
             <p:spPr>
               <a:xfrm>
-                <a:off x="2610997" y="3141643"/>
-                <a:ext cx="1712205" cy="307777"/>
+                <a:off x="3581400" y="375092"/>
+                <a:ext cx="1712205" cy="276999"/>
               </a:xfrm>
               <a:prstGeom prst="rect">
                 <a:avLst/>
@@ -4129,7 +4183,7 @@
               <a:blipFill rotWithShape="1">
                 <a:blip r:embed="rId5"/>
                 <a:stretch>
-                  <a:fillRect b="-17647"/>
+                  <a:fillRect b="-20000"/>
                 </a:stretch>
               </a:blipFill>
             </p:spPr>
@@ -4420,6 +4474,2051 @@
           </a:p>
         </p:txBody>
       </p:sp>
+      <p:cxnSp>
+        <p:nvCxnSpPr>
+          <p:cNvPr id="10" name="Straight Arrow Connector 9"/>
+          <p:cNvCxnSpPr>
+            <a:endCxn id="24" idx="2"/>
+          </p:cNvCxnSpPr>
+          <p:nvPr/>
+        </p:nvCxnSpPr>
+        <p:spPr>
+          <a:xfrm flipV="1">
+            <a:off x="3200400" y="2286000"/>
+            <a:ext cx="714906" cy="301227"/>
+          </a:xfrm>
+          <a:prstGeom prst="straightConnector1">
+            <a:avLst/>
+          </a:prstGeom>
+          <a:ln>
+            <a:solidFill>
+              <a:schemeClr val="tx1"/>
+            </a:solidFill>
+            <a:tailEnd type="arrow"/>
+          </a:ln>
+        </p:spPr>
+        <p:style>
+          <a:lnRef idx="1">
+            <a:schemeClr val="accent1"/>
+          </a:lnRef>
+          <a:fillRef idx="0">
+            <a:schemeClr val="accent1"/>
+          </a:fillRef>
+          <a:effectRef idx="0">
+            <a:schemeClr val="accent1"/>
+          </a:effectRef>
+          <a:fontRef idx="minor">
+            <a:schemeClr val="tx1"/>
+          </a:fontRef>
+        </p:style>
+      </p:cxnSp>
+      <mc:AlternateContent xmlns:mc="http://schemas.openxmlformats.org/markup-compatibility/2006">
+        <mc:Choice xmlns:a14="http://schemas.microsoft.com/office/drawing/2010/main" Requires="a14">
+          <p:sp>
+            <p:nvSpPr>
+              <p:cNvPr id="32" name="TextBox 31"/>
+              <p:cNvSpPr txBox="1"/>
+              <p:nvPr/>
+            </p:nvSpPr>
+            <p:spPr>
+              <a:xfrm>
+                <a:off x="2655176" y="2489668"/>
+                <a:ext cx="838200" cy="302840"/>
+              </a:xfrm>
+              <a:prstGeom prst="rect">
+                <a:avLst/>
+              </a:prstGeom>
+              <a:noFill/>
+            </p:spPr>
+            <p:txBody>
+              <a:bodyPr wrap="square" rtlCol="0">
+                <a:spAutoFit/>
+              </a:bodyPr>
+              <a:lstStyle/>
+              <a:p>
+                <a:pPr/>
+                <a14:m>
+                  <m:oMathPara xmlns:m="http://schemas.openxmlformats.org/officeDocument/2006/math">
+                    <m:oMathParaPr>
+                      <m:jc m:val="centerGroup"/>
+                    </m:oMathParaPr>
+                    <m:oMath xmlns:m="http://schemas.openxmlformats.org/officeDocument/2006/math">
+                      <m:acc>
+                        <m:accPr>
+                          <m:chr m:val="̂"/>
+                          <m:ctrlPr>
+                            <a:rPr lang="en-US" sz="1400" i="1" smtClean="0">
+                              <a:latin typeface="Cambria Math"/>
+                            </a:rPr>
+                          </m:ctrlPr>
+                        </m:accPr>
+                        <m:e>
+                          <m:r>
+                            <a:rPr lang="en-US" sz="1400" b="0" i="1" smtClean="0">
+                              <a:latin typeface="Cambria Math"/>
+                            </a:rPr>
+                            <m:t>𝑧</m:t>
+                          </m:r>
+                        </m:e>
+                      </m:acc>
+                      <m:r>
+                        <a:rPr lang="en-US" sz="1400" b="0" i="1" baseline="-25000" smtClean="0">
+                          <a:latin typeface="Cambria Math"/>
+                        </a:rPr>
+                        <m:t>𝑘</m:t>
+                      </m:r>
+                      <m:r>
+                        <a:rPr lang="en-US" sz="1400" b="0" i="1" baseline="-25000" smtClean="0">
+                          <a:latin typeface="Cambria Math"/>
+                        </a:rPr>
+                        <m:t>+</m:t>
+                      </m:r>
+                      <m:r>
+                        <a:rPr lang="en-US" sz="1400" b="0" i="1" baseline="-25000" smtClean="0">
+                          <a:latin typeface="Cambria Math"/>
+                        </a:rPr>
+                        <m:t>1</m:t>
+                      </m:r>
+                    </m:oMath>
+                  </m:oMathPara>
+                </a14:m>
+                <a:endParaRPr lang="en-US" sz="1400" baseline="-25000" dirty="0"/>
+              </a:p>
+            </p:txBody>
+          </p:sp>
+        </mc:Choice>
+        <mc:Fallback>
+          <p:sp>
+            <p:nvSpPr>
+              <p:cNvPr id="32" name="TextBox 31"/>
+              <p:cNvSpPr txBox="1">
+                <a:spLocks noRot="1" noChangeAspect="1" noMove="1" noResize="1" noEditPoints="1" noAdjustHandles="1" noChangeArrowheads="1" noChangeShapeType="1" noTextEdit="1"/>
+              </p:cNvSpPr>
+              <p:nvPr/>
+            </p:nvSpPr>
+            <p:spPr>
+              <a:xfrm>
+                <a:off x="2655176" y="2489668"/>
+                <a:ext cx="838200" cy="302840"/>
+              </a:xfrm>
+              <a:prstGeom prst="rect">
+                <a:avLst/>
+              </a:prstGeom>
+              <a:blipFill rotWithShape="1">
+                <a:blip r:embed="rId6"/>
+                <a:stretch>
+                  <a:fillRect b="-6000"/>
+                </a:stretch>
+              </a:blipFill>
+            </p:spPr>
+            <p:txBody>
+              <a:bodyPr/>
+              <a:lstStyle/>
+              <a:p>
+                <a:r>
+                  <a:rPr lang="en-US">
+                    <a:noFill/>
+                  </a:rPr>
+                  <a:t> </a:t>
+                </a:r>
+              </a:p>
+            </p:txBody>
+          </p:sp>
+        </mc:Fallback>
+      </mc:AlternateContent>
+      <mc:AlternateContent xmlns:mc="http://schemas.openxmlformats.org/markup-compatibility/2006">
+        <mc:Choice xmlns:a14="http://schemas.microsoft.com/office/drawing/2010/main" Requires="a14">
+          <p:sp>
+            <p:nvSpPr>
+              <p:cNvPr id="33" name="TextBox 32"/>
+              <p:cNvSpPr txBox="1"/>
+              <p:nvPr/>
+            </p:nvSpPr>
+            <p:spPr>
+              <a:xfrm>
+                <a:off x="2958487" y="2984675"/>
+                <a:ext cx="2775332" cy="280333"/>
+              </a:xfrm>
+              <a:prstGeom prst="rect">
+                <a:avLst/>
+              </a:prstGeom>
+              <a:noFill/>
+            </p:spPr>
+            <p:txBody>
+              <a:bodyPr wrap="square" rtlCol="0">
+                <a:spAutoFit/>
+              </a:bodyPr>
+              <a:lstStyle/>
+              <a:p>
+                <a:pPr/>
+                <a14:m>
+                  <m:oMathPara xmlns:m="http://schemas.openxmlformats.org/officeDocument/2006/math">
+                    <m:oMathParaPr>
+                      <m:jc m:val="centerGroup"/>
+                    </m:oMathParaPr>
+                    <m:oMath xmlns:m="http://schemas.openxmlformats.org/officeDocument/2006/math">
+                      <m:acc>
+                        <m:accPr>
+                          <m:chr m:val="̅"/>
+                          <m:ctrlPr>
+                            <a:rPr lang="en-US" sz="1200" b="0" i="1" smtClean="0">
+                              <a:latin typeface="Cambria Math"/>
+                            </a:rPr>
+                          </m:ctrlPr>
+                        </m:accPr>
+                        <m:e>
+                          <m:r>
+                            <a:rPr lang="en-US" sz="1200" b="0" i="1" smtClean="0">
+                              <a:latin typeface="Cambria Math"/>
+                            </a:rPr>
+                            <m:t>𝑍</m:t>
+                          </m:r>
+                        </m:e>
+                      </m:acc>
+                      <m:r>
+                        <a:rPr lang="en-US" sz="1200" b="0" i="1" baseline="-25000" smtClean="0">
+                          <a:latin typeface="Cambria Math"/>
+                        </a:rPr>
+                        <m:t>𝑘</m:t>
+                      </m:r>
+                      <m:r>
+                        <a:rPr lang="en-US" sz="1200" b="0" i="1" baseline="-25000" smtClean="0">
+                          <a:latin typeface="Cambria Math"/>
+                        </a:rPr>
+                        <m:t>+</m:t>
+                      </m:r>
+                      <m:r>
+                        <a:rPr lang="en-US" sz="1200" b="0" i="1" baseline="-25000" smtClean="0">
+                          <a:latin typeface="Cambria Math"/>
+                        </a:rPr>
+                        <m:t>1</m:t>
+                      </m:r>
+                      <m:d>
+                        <m:dPr>
+                          <m:begChr m:val="|"/>
+                          <m:endChr m:val="|"/>
+                          <m:ctrlPr>
+                            <a:rPr lang="en-US" sz="1200" b="0" i="1" baseline="-25000" smtClean="0">
+                              <a:latin typeface="Cambria Math"/>
+                            </a:rPr>
+                          </m:ctrlPr>
+                        </m:dPr>
+                        <m:e>
+                          <m:r>
+                            <a:rPr lang="en-US" sz="1200" b="0" i="1" baseline="-25000" smtClean="0">
+                              <a:latin typeface="Cambria Math"/>
+                            </a:rPr>
+                            <m:t>𝑘</m:t>
+                          </m:r>
+                          <m:r>
+                            <a:rPr lang="en-US" sz="1200" b="0" i="1" baseline="-25000" smtClean="0">
+                              <a:latin typeface="Cambria Math"/>
+                            </a:rPr>
+                            <m:t>+</m:t>
+                          </m:r>
+                          <m:r>
+                            <a:rPr lang="en-US" sz="1200" b="0" i="1" baseline="-25000" smtClean="0">
+                              <a:latin typeface="Cambria Math"/>
+                            </a:rPr>
+                            <m:t>1</m:t>
+                          </m:r>
+                          <m:r>
+                            <a:rPr lang="en-US" sz="1200" b="0" i="1" baseline="-25000" smtClean="0">
+                              <a:latin typeface="Cambria Math"/>
+                            </a:rPr>
+                            <m:t>=</m:t>
+                          </m:r>
+                          <m:d>
+                            <m:dPr>
+                              <m:begChr m:val="{"/>
+                              <m:endChr m:val="}"/>
+                              <m:ctrlPr>
+                                <a:rPr lang="en-US" sz="1200" b="0" i="1" baseline="-25000" smtClean="0">
+                                  <a:latin typeface="Cambria Math"/>
+                                </a:rPr>
+                              </m:ctrlPr>
+                            </m:dPr>
+                            <m:e>
+                              <m:acc>
+                                <m:accPr>
+                                  <m:chr m:val="̂"/>
+                                  <m:ctrlPr>
+                                    <a:rPr lang="en-US" sz="1200" i="1" smtClean="0">
+                                      <a:latin typeface="Cambria Math"/>
+                                    </a:rPr>
+                                  </m:ctrlPr>
+                                </m:accPr>
+                                <m:e>
+                                  <m:r>
+                                    <a:rPr lang="en-US" sz="1200" b="0" i="1" smtClean="0">
+                                      <a:latin typeface="Cambria Math"/>
+                                    </a:rPr>
+                                    <m:t>𝑧</m:t>
+                                  </m:r>
+                                </m:e>
+                              </m:acc>
+                              <m:r>
+                                <a:rPr lang="en-US" sz="1200" b="0" i="1" baseline="-25000" smtClean="0">
+                                  <a:latin typeface="Cambria Math"/>
+                                </a:rPr>
+                                <m:t>𝑘</m:t>
+                              </m:r>
+                              <m:r>
+                                <a:rPr lang="en-US" sz="1200" b="0" i="1" baseline="-25000" smtClean="0">
+                                  <a:latin typeface="Cambria Math"/>
+                                </a:rPr>
+                                <m:t>+</m:t>
+                              </m:r>
+                              <m:r>
+                                <a:rPr lang="en-US" sz="1200" b="0" i="1" baseline="-25000" smtClean="0">
+                                  <a:latin typeface="Cambria Math"/>
+                                </a:rPr>
+                                <m:t>1</m:t>
+                              </m:r>
+                            </m:e>
+                          </m:d>
+                          <m:r>
+                            <a:rPr lang="en-US" sz="1200" b="0" i="1" smtClean="0">
+                              <a:latin typeface="Cambria Math"/>
+                              <a:ea typeface="Cambria Math"/>
+                            </a:rPr>
+                            <m:t>⨁</m:t>
+                          </m:r>
+                          <m:acc>
+                            <m:accPr>
+                              <m:chr m:val="̃"/>
+                              <m:ctrlPr>
+                                <a:rPr lang="en-US" sz="1200" b="0" i="1" smtClean="0">
+                                  <a:latin typeface="Cambria Math"/>
+                                  <a:ea typeface="Cambria Math"/>
+                                </a:rPr>
+                              </m:ctrlPr>
+                            </m:accPr>
+                            <m:e>
+                              <m:r>
+                                <a:rPr lang="en-US" sz="1200" b="0" i="1" smtClean="0">
+                                  <a:latin typeface="Cambria Math"/>
+                                  <a:ea typeface="Cambria Math"/>
+                                </a:rPr>
+                                <m:t>𝐸</m:t>
+                              </m:r>
+                            </m:e>
+                          </m:acc>
+                          <m:r>
+                            <a:rPr lang="en-US" sz="1200" b="0" i="1" baseline="-25000" smtClean="0">
+                              <a:latin typeface="Cambria Math"/>
+                            </a:rPr>
+                            <m:t>𝑘</m:t>
+                          </m:r>
+                          <m:r>
+                            <a:rPr lang="en-US" sz="1200" b="0" i="1" baseline="-25000" smtClean="0">
+                              <a:latin typeface="Cambria Math"/>
+                            </a:rPr>
+                            <m:t>+</m:t>
+                          </m:r>
+                          <m:r>
+                            <a:rPr lang="en-US" sz="1200" b="0" i="1" baseline="-25000" smtClean="0">
+                              <a:latin typeface="Cambria Math"/>
+                            </a:rPr>
+                            <m:t>1</m:t>
+                          </m:r>
+                        </m:e>
+                      </m:d>
+                      <m:r>
+                        <a:rPr lang="en-US" sz="1200" b="0" i="1" baseline="-25000" smtClean="0">
+                          <a:latin typeface="Cambria Math"/>
+                        </a:rPr>
+                        <m:t>𝑘</m:t>
+                      </m:r>
+                      <m:r>
+                        <a:rPr lang="en-US" sz="1200" b="0" i="1" baseline="-25000" smtClean="0">
+                          <a:latin typeface="Cambria Math"/>
+                        </a:rPr>
+                        <m:t>+</m:t>
+                      </m:r>
+                      <m:r>
+                        <a:rPr lang="en-US" sz="1200" b="0" i="1" baseline="-25000" smtClean="0">
+                          <a:latin typeface="Cambria Math"/>
+                        </a:rPr>
+                        <m:t>1</m:t>
+                      </m:r>
+                    </m:oMath>
+                  </m:oMathPara>
+                </a14:m>
+                <a:endParaRPr lang="en-US" sz="1200" baseline="-25000" dirty="0"/>
+              </a:p>
+            </p:txBody>
+          </p:sp>
+        </mc:Choice>
+        <mc:Fallback>
+          <p:sp>
+            <p:nvSpPr>
+              <p:cNvPr id="33" name="TextBox 32"/>
+              <p:cNvSpPr txBox="1">
+                <a:spLocks noRot="1" noChangeAspect="1" noMove="1" noResize="1" noEditPoints="1" noAdjustHandles="1" noChangeArrowheads="1" noChangeShapeType="1" noTextEdit="1"/>
+              </p:cNvSpPr>
+              <p:nvPr/>
+            </p:nvSpPr>
+            <p:spPr>
+              <a:xfrm>
+                <a:off x="2958487" y="2984675"/>
+                <a:ext cx="2775332" cy="280333"/>
+              </a:xfrm>
+              <a:prstGeom prst="rect">
+                <a:avLst/>
+              </a:prstGeom>
+              <a:blipFill rotWithShape="1">
+                <a:blip r:embed="rId7"/>
+                <a:stretch>
+                  <a:fillRect b="-28261"/>
+                </a:stretch>
+              </a:blipFill>
+            </p:spPr>
+            <p:txBody>
+              <a:bodyPr/>
+              <a:lstStyle/>
+              <a:p>
+                <a:r>
+                  <a:rPr lang="en-US">
+                    <a:noFill/>
+                  </a:rPr>
+                  <a:t> </a:t>
+                </a:r>
+              </a:p>
+            </p:txBody>
+          </p:sp>
+        </mc:Fallback>
+      </mc:AlternateContent>
+      <p:cxnSp>
+        <p:nvCxnSpPr>
+          <p:cNvPr id="35" name="Straight Arrow Connector 34"/>
+          <p:cNvCxnSpPr>
+            <a:stCxn id="33" idx="0"/>
+            <a:endCxn id="25" idx="2"/>
+          </p:cNvCxnSpPr>
+          <p:nvPr/>
+        </p:nvCxnSpPr>
+        <p:spPr>
+          <a:xfrm flipH="1" flipV="1">
+            <a:off x="3943350" y="2438400"/>
+            <a:ext cx="402803" cy="546275"/>
+          </a:xfrm>
+          <a:prstGeom prst="straightConnector1">
+            <a:avLst/>
+          </a:prstGeom>
+          <a:ln>
+            <a:solidFill>
+              <a:schemeClr val="tx1"/>
+            </a:solidFill>
+            <a:prstDash val="sysDash"/>
+            <a:tailEnd type="arrow"/>
+          </a:ln>
+        </p:spPr>
+        <p:style>
+          <a:lnRef idx="1">
+            <a:schemeClr val="accent1"/>
+          </a:lnRef>
+          <a:fillRef idx="0">
+            <a:schemeClr val="accent1"/>
+          </a:fillRef>
+          <a:effectRef idx="0">
+            <a:schemeClr val="accent1"/>
+          </a:effectRef>
+          <a:fontRef idx="minor">
+            <a:schemeClr val="tx1"/>
+          </a:fontRef>
+        </p:style>
+      </p:cxnSp>
+      <p:cxnSp>
+        <p:nvCxnSpPr>
+          <p:cNvPr id="43" name="Straight Arrow Connector 42"/>
+          <p:cNvCxnSpPr>
+            <a:endCxn id="20" idx="0"/>
+          </p:cNvCxnSpPr>
+          <p:nvPr/>
+        </p:nvCxnSpPr>
+        <p:spPr>
+          <a:xfrm flipH="1">
+            <a:off x="3467100" y="990600"/>
+            <a:ext cx="7276" cy="304800"/>
+          </a:xfrm>
+          <a:prstGeom prst="straightConnector1">
+            <a:avLst/>
+          </a:prstGeom>
+          <a:ln w="19050">
+            <a:prstDash val="sysDot"/>
+            <a:tailEnd type="arrow"/>
+          </a:ln>
+        </p:spPr>
+        <p:style>
+          <a:lnRef idx="1">
+            <a:schemeClr val="accent1"/>
+          </a:lnRef>
+          <a:fillRef idx="0">
+            <a:schemeClr val="accent1"/>
+          </a:fillRef>
+          <a:effectRef idx="0">
+            <a:schemeClr val="accent1"/>
+          </a:effectRef>
+          <a:fontRef idx="minor">
+            <a:schemeClr val="tx1"/>
+          </a:fontRef>
+        </p:style>
+      </p:cxnSp>
+      <mc:AlternateContent xmlns:mc="http://schemas.openxmlformats.org/markup-compatibility/2006">
+        <mc:Choice xmlns:a14="http://schemas.microsoft.com/office/drawing/2010/main" Requires="a14">
+          <p:sp>
+            <p:nvSpPr>
+              <p:cNvPr id="48" name="TextBox 47"/>
+              <p:cNvSpPr txBox="1"/>
+              <p:nvPr/>
+            </p:nvSpPr>
+            <p:spPr>
+              <a:xfrm>
+                <a:off x="2732651" y="762000"/>
+                <a:ext cx="1476173" cy="276999"/>
+              </a:xfrm>
+              <a:prstGeom prst="rect">
+                <a:avLst/>
+              </a:prstGeom>
+              <a:noFill/>
+            </p:spPr>
+            <p:txBody>
+              <a:bodyPr wrap="none" rtlCol="0">
+                <a:spAutoFit/>
+              </a:bodyPr>
+              <a:lstStyle/>
+              <a:p>
+                <a:r>
+                  <a:rPr lang="en-US" sz="1200" dirty="0" smtClean="0"/>
+                  <a:t>Reach(</a:t>
+                </a:r>
+                <a14:m>
+                  <m:oMath xmlns:m="http://schemas.openxmlformats.org/officeDocument/2006/math">
+                    <m:acc>
+                      <m:accPr>
+                        <m:chr m:val="̅"/>
+                        <m:ctrlPr>
+                          <a:rPr lang="en-US" sz="1200" i="1" smtClean="0">
+                            <a:latin typeface="Cambria Math"/>
+                          </a:rPr>
+                        </m:ctrlPr>
+                      </m:accPr>
+                      <m:e>
+                        <m:r>
+                          <a:rPr lang="en-US" sz="1200" b="0" i="1" smtClean="0">
+                            <a:latin typeface="Cambria Math"/>
+                          </a:rPr>
+                          <m:t>𝑍</m:t>
+                        </m:r>
+                      </m:e>
+                    </m:acc>
+                    <m:r>
+                      <a:rPr lang="en-US" sz="1200" b="0" i="1" baseline="-25000" smtClean="0">
+                        <a:latin typeface="Cambria Math"/>
+                      </a:rPr>
+                      <m:t>𝑘</m:t>
+                    </m:r>
+                    <m:r>
+                      <a:rPr lang="en-US" sz="1200" b="0" i="1" baseline="-25000" smtClean="0">
+                        <a:latin typeface="Cambria Math"/>
+                      </a:rPr>
+                      <m:t>|</m:t>
+                    </m:r>
+                    <m:r>
+                      <a:rPr lang="en-US" sz="1200" b="0" i="1" baseline="-25000" smtClean="0">
+                        <a:latin typeface="Cambria Math"/>
+                      </a:rPr>
+                      <m:t>𝑘</m:t>
+                    </m:r>
+                    <m:r>
+                      <a:rPr lang="en-US" sz="1200" b="0" i="1" smtClean="0">
+                        <a:latin typeface="Cambria Math"/>
+                      </a:rPr>
+                      <m:t>,</m:t>
+                    </m:r>
+                    <m:acc>
+                      <m:accPr>
+                        <m:chr m:val="̅"/>
+                        <m:ctrlPr>
+                          <a:rPr lang="en-US" sz="1200" i="1" smtClean="0">
+                            <a:latin typeface="Cambria Math"/>
+                          </a:rPr>
+                        </m:ctrlPr>
+                      </m:accPr>
+                      <m:e>
+                        <m:r>
+                          <a:rPr lang="en-US" sz="1200" b="0" i="1" smtClean="0">
+                            <a:latin typeface="Cambria Math"/>
+                          </a:rPr>
+                          <m:t>𝑉</m:t>
+                        </m:r>
+                      </m:e>
+                    </m:acc>
+                    <m:r>
+                      <a:rPr lang="en-US" sz="1200" b="0" i="1" baseline="-25000" smtClean="0">
+                        <a:latin typeface="Cambria Math"/>
+                      </a:rPr>
+                      <m:t>𝑘</m:t>
+                    </m:r>
+                    <m:r>
+                      <a:rPr lang="en-US" sz="1200" b="0" i="1" baseline="-25000" smtClean="0">
+                        <a:latin typeface="Cambria Math"/>
+                      </a:rPr>
+                      <m:t>|</m:t>
+                    </m:r>
+                    <m:r>
+                      <a:rPr lang="en-US" sz="1200" b="0" i="1" baseline="-25000" smtClean="0">
+                        <a:latin typeface="Cambria Math"/>
+                      </a:rPr>
+                      <m:t>𝑘</m:t>
+                    </m:r>
+                    <m:r>
+                      <a:rPr lang="en-US" sz="1200" b="0" i="1" smtClean="0">
+                        <a:latin typeface="Cambria Math"/>
+                      </a:rPr>
+                      <m:t>,</m:t>
+                    </m:r>
+                    <m:r>
+                      <a:rPr lang="en-US" sz="1200" b="0" i="1" smtClean="0">
+                        <a:latin typeface="Cambria Math"/>
+                      </a:rPr>
+                      <m:t>𝑊</m:t>
+                    </m:r>
+                    <m:r>
+                      <a:rPr lang="en-US" sz="1200" b="0" i="1" smtClean="0">
+                        <a:latin typeface="Cambria Math"/>
+                      </a:rPr>
+                      <m:t>) </m:t>
+                    </m:r>
+                  </m:oMath>
+                </a14:m>
+                <a:endParaRPr lang="en-US" sz="1200" dirty="0"/>
+              </a:p>
+            </p:txBody>
+          </p:sp>
+        </mc:Choice>
+        <mc:Fallback>
+          <p:sp>
+            <p:nvSpPr>
+              <p:cNvPr id="48" name="TextBox 47"/>
+              <p:cNvSpPr txBox="1">
+                <a:spLocks noRot="1" noChangeAspect="1" noMove="1" noResize="1" noEditPoints="1" noAdjustHandles="1" noChangeArrowheads="1" noChangeShapeType="1" noTextEdit="1"/>
+              </p:cNvSpPr>
+              <p:nvPr/>
+            </p:nvSpPr>
+            <p:spPr>
+              <a:xfrm>
+                <a:off x="2732651" y="762000"/>
+                <a:ext cx="1476173" cy="276999"/>
+              </a:xfrm>
+              <a:prstGeom prst="rect">
+                <a:avLst/>
+              </a:prstGeom>
+              <a:blipFill rotWithShape="1">
+                <a:blip r:embed="rId8"/>
+                <a:stretch>
+                  <a:fillRect b="-20000"/>
+                </a:stretch>
+              </a:blipFill>
+            </p:spPr>
+            <p:txBody>
+              <a:bodyPr/>
+              <a:lstStyle/>
+              <a:p>
+                <a:r>
+                  <a:rPr lang="en-US">
+                    <a:noFill/>
+                  </a:rPr>
+                  <a:t> </a:t>
+                </a:r>
+              </a:p>
+            </p:txBody>
+          </p:sp>
+        </mc:Fallback>
+      </mc:AlternateContent>
+      <mc:AlternateContent xmlns:mc="http://schemas.openxmlformats.org/markup-compatibility/2006">
+        <mc:Choice xmlns:a14="http://schemas.microsoft.com/office/drawing/2010/main" Requires="a14">
+          <p:sp>
+            <p:nvSpPr>
+              <p:cNvPr id="52" name="TextBox 51"/>
+              <p:cNvSpPr txBox="1"/>
+              <p:nvPr/>
+            </p:nvSpPr>
+            <p:spPr>
+              <a:xfrm>
+                <a:off x="1828800" y="561201"/>
+                <a:ext cx="1858779" cy="280333"/>
+              </a:xfrm>
+              <a:prstGeom prst="rect">
+                <a:avLst/>
+              </a:prstGeom>
+              <a:noFill/>
+            </p:spPr>
+            <p:txBody>
+              <a:bodyPr wrap="none" rtlCol="0">
+                <a:spAutoFit/>
+              </a:bodyPr>
+              <a:lstStyle/>
+              <a:p>
+                <a:r>
+                  <a:rPr lang="en-US" sz="1200" dirty="0" smtClean="0"/>
+                  <a:t>Reach(</a:t>
+                </a:r>
+                <a14:m>
+                  <m:oMath xmlns:m="http://schemas.openxmlformats.org/officeDocument/2006/math">
+                    <m:acc>
+                      <m:accPr>
+                        <m:chr m:val="̅"/>
+                        <m:ctrlPr>
+                          <a:rPr lang="en-US" sz="1200" i="1" smtClean="0">
+                            <a:latin typeface="Cambria Math"/>
+                          </a:rPr>
+                        </m:ctrlPr>
+                      </m:accPr>
+                      <m:e>
+                        <m:r>
+                          <a:rPr lang="en-US" sz="1200" b="0" i="1" smtClean="0">
+                            <a:latin typeface="Cambria Math"/>
+                          </a:rPr>
+                          <m:t>𝑍</m:t>
+                        </m:r>
+                      </m:e>
+                    </m:acc>
+                    <m:r>
+                      <a:rPr lang="en-US" sz="1200" b="0" i="1" baseline="-25000" smtClean="0">
+                        <a:latin typeface="Cambria Math"/>
+                      </a:rPr>
+                      <m:t>𝑘</m:t>
+                    </m:r>
+                    <m:r>
+                      <a:rPr lang="en-US" sz="1200" b="0" i="1" baseline="-25000" smtClean="0">
+                        <a:latin typeface="Cambria Math"/>
+                      </a:rPr>
+                      <m:t>|</m:t>
+                    </m:r>
+                    <m:r>
+                      <a:rPr lang="en-US" sz="1200" b="0" i="1" baseline="-25000" smtClean="0">
+                        <a:latin typeface="Cambria Math"/>
+                      </a:rPr>
+                      <m:t>𝑘</m:t>
+                    </m:r>
+                    <m:r>
+                      <a:rPr lang="en-US" sz="1200" b="0" i="1" smtClean="0">
+                        <a:latin typeface="Cambria Math"/>
+                      </a:rPr>
+                      <m:t>,</m:t>
+                    </m:r>
+                    <m:acc>
+                      <m:accPr>
+                        <m:chr m:val="̅"/>
+                        <m:ctrlPr>
+                          <a:rPr lang="en-US" sz="1200" i="1" smtClean="0">
+                            <a:latin typeface="Cambria Math"/>
+                          </a:rPr>
+                        </m:ctrlPr>
+                      </m:accPr>
+                      <m:e>
+                        <m:r>
+                          <a:rPr lang="en-US" sz="1200" b="0" i="1" smtClean="0">
+                            <a:latin typeface="Cambria Math"/>
+                          </a:rPr>
+                          <m:t>𝑉</m:t>
+                        </m:r>
+                      </m:e>
+                    </m:acc>
+                    <m:r>
+                      <a:rPr lang="en-US" sz="1200" b="0" i="1" baseline="-25000" smtClean="0">
+                        <a:latin typeface="Cambria Math"/>
+                      </a:rPr>
+                      <m:t>𝑘</m:t>
+                    </m:r>
+                    <m:r>
+                      <a:rPr lang="en-US" sz="1200" b="0" i="1" baseline="-25000" smtClean="0">
+                        <a:latin typeface="Cambria Math"/>
+                      </a:rPr>
+                      <m:t>|</m:t>
+                    </m:r>
+                    <m:r>
+                      <a:rPr lang="en-US" sz="1200" b="0" i="1" baseline="-25000" smtClean="0">
+                        <a:latin typeface="Cambria Math"/>
+                      </a:rPr>
+                      <m:t>𝑘</m:t>
+                    </m:r>
+                    <m:r>
+                      <a:rPr lang="en-US" sz="1200" b="0" i="1" smtClean="0">
+                        <a:latin typeface="Cambria Math"/>
+                      </a:rPr>
+                      <m:t>,</m:t>
+                    </m:r>
+                    <m:r>
+                      <a:rPr lang="en-US" sz="1200" b="0" i="1" smtClean="0">
+                        <a:latin typeface="Cambria Math"/>
+                      </a:rPr>
+                      <m:t>𝑊</m:t>
+                    </m:r>
+                    <m:r>
+                      <a:rPr lang="en-US" sz="1200" b="0" i="1" smtClean="0">
+                        <a:latin typeface="Cambria Math"/>
+                      </a:rPr>
+                      <m:t>) </m:t>
+                    </m:r>
+                  </m:oMath>
+                </a14:m>
+                <a:r>
+                  <a:rPr lang="en-US" sz="1200" dirty="0" smtClean="0"/>
+                  <a:t>+</a:t>
+                </a:r>
+                <a14:m>
+                  <m:oMath xmlns:m="http://schemas.openxmlformats.org/officeDocument/2006/math">
+                    <m:acc>
+                      <m:accPr>
+                        <m:chr m:val="̃"/>
+                        <m:ctrlPr>
+                          <a:rPr lang="en-US" sz="1200" i="1" dirty="0" smtClean="0">
+                            <a:latin typeface="Cambria Math"/>
+                          </a:rPr>
+                        </m:ctrlPr>
+                      </m:accPr>
+                      <m:e>
+                        <m:r>
+                          <a:rPr lang="en-US" sz="1200" b="0" i="1" dirty="0" smtClean="0">
+                            <a:latin typeface="Cambria Math"/>
+                          </a:rPr>
+                          <m:t>𝐸</m:t>
+                        </m:r>
+                      </m:e>
+                    </m:acc>
+                    <m:r>
+                      <a:rPr lang="en-US" sz="1200" b="0" i="1" baseline="-25000" dirty="0" smtClean="0">
+                        <a:latin typeface="Cambria Math"/>
+                      </a:rPr>
+                      <m:t>𝑚𝑎𝑥</m:t>
+                    </m:r>
+                  </m:oMath>
+                </a14:m>
+                <a:endParaRPr lang="en-US" sz="1200" baseline="-25000" dirty="0"/>
+              </a:p>
+            </p:txBody>
+          </p:sp>
+        </mc:Choice>
+        <mc:Fallback>
+          <p:sp>
+            <p:nvSpPr>
+              <p:cNvPr id="52" name="TextBox 51"/>
+              <p:cNvSpPr txBox="1">
+                <a:spLocks noRot="1" noChangeAspect="1" noMove="1" noResize="1" noEditPoints="1" noAdjustHandles="1" noChangeArrowheads="1" noChangeShapeType="1" noTextEdit="1"/>
+              </p:cNvSpPr>
+              <p:nvPr/>
+            </p:nvSpPr>
+            <p:spPr>
+              <a:xfrm>
+                <a:off x="1828800" y="561201"/>
+                <a:ext cx="1858779" cy="280333"/>
+              </a:xfrm>
+              <a:prstGeom prst="rect">
+                <a:avLst/>
+              </a:prstGeom>
+              <a:blipFill rotWithShape="1">
+                <a:blip r:embed="rId9"/>
+                <a:stretch>
+                  <a:fillRect t="-4348" b="-17391"/>
+                </a:stretch>
+              </a:blipFill>
+            </p:spPr>
+            <p:txBody>
+              <a:bodyPr/>
+              <a:lstStyle/>
+              <a:p>
+                <a:r>
+                  <a:rPr lang="en-US">
+                    <a:noFill/>
+                  </a:rPr>
+                  <a:t> </a:t>
+                </a:r>
+              </a:p>
+            </p:txBody>
+          </p:sp>
+        </mc:Fallback>
+      </mc:AlternateContent>
+      <p:cxnSp>
+        <p:nvCxnSpPr>
+          <p:cNvPr id="53" name="Straight Arrow Connector 52"/>
+          <p:cNvCxnSpPr/>
+          <p:nvPr/>
+        </p:nvCxnSpPr>
+        <p:spPr>
+          <a:xfrm>
+            <a:off x="2369476" y="838200"/>
+            <a:ext cx="526124" cy="455711"/>
+          </a:xfrm>
+          <a:prstGeom prst="straightConnector1">
+            <a:avLst/>
+          </a:prstGeom>
+          <a:ln w="19050">
+            <a:prstDash val="dashDot"/>
+            <a:tailEnd type="arrow"/>
+          </a:ln>
+        </p:spPr>
+        <p:style>
+          <a:lnRef idx="1">
+            <a:schemeClr val="accent1"/>
+          </a:lnRef>
+          <a:fillRef idx="0">
+            <a:schemeClr val="accent1"/>
+          </a:fillRef>
+          <a:effectRef idx="0">
+            <a:schemeClr val="accent1"/>
+          </a:effectRef>
+          <a:fontRef idx="minor">
+            <a:schemeClr val="tx1"/>
+          </a:fontRef>
+        </p:style>
+      </p:cxnSp>
+      <mc:AlternateContent xmlns:mc="http://schemas.openxmlformats.org/markup-compatibility/2006">
+        <mc:Choice xmlns:a14="http://schemas.microsoft.com/office/drawing/2010/main" Requires="a14">
+          <p:sp>
+            <p:nvSpPr>
+              <p:cNvPr id="55" name="TextBox 54"/>
+              <p:cNvSpPr txBox="1"/>
+              <p:nvPr/>
+            </p:nvSpPr>
+            <p:spPr>
+              <a:xfrm>
+                <a:off x="762000" y="2831632"/>
+                <a:ext cx="2541017" cy="280333"/>
+              </a:xfrm>
+              <a:prstGeom prst="rect">
+                <a:avLst/>
+              </a:prstGeom>
+              <a:noFill/>
+            </p:spPr>
+            <p:txBody>
+              <a:bodyPr wrap="none" rtlCol="0">
+                <a:spAutoFit/>
+              </a:bodyPr>
+              <a:lstStyle/>
+              <a:p>
+                <a14:m>
+                  <m:oMath xmlns:m="http://schemas.openxmlformats.org/officeDocument/2006/math">
+                    <m:acc>
+                      <m:accPr>
+                        <m:chr m:val="̅"/>
+                        <m:ctrlPr>
+                          <a:rPr lang="en-US" sz="1200" i="1" smtClean="0">
+                            <a:latin typeface="Cambria Math"/>
+                          </a:rPr>
+                        </m:ctrlPr>
+                      </m:accPr>
+                      <m:e>
+                        <m:r>
+                          <a:rPr lang="en-US" sz="1200" i="1">
+                            <a:latin typeface="Cambria Math"/>
+                          </a:rPr>
+                          <m:t>𝑍</m:t>
+                        </m:r>
+                      </m:e>
+                    </m:acc>
+                    <m:r>
+                      <a:rPr lang="en-US" sz="1200" i="1" baseline="-25000">
+                        <a:latin typeface="Cambria Math"/>
+                      </a:rPr>
+                      <m:t>𝑘</m:t>
+                    </m:r>
+                    <m:r>
+                      <a:rPr lang="en-US" sz="1200" b="0" i="1" baseline="-25000" smtClean="0">
+                        <a:latin typeface="Cambria Math"/>
+                      </a:rPr>
+                      <m:t>+</m:t>
+                    </m:r>
+                    <m:r>
+                      <a:rPr lang="en-US" sz="1200" b="0" i="1" baseline="-25000" smtClean="0">
+                        <a:latin typeface="Cambria Math"/>
+                      </a:rPr>
+                      <m:t>1</m:t>
+                    </m:r>
+                    <m:r>
+                      <a:rPr lang="en-US" sz="1200" i="1" baseline="-25000">
+                        <a:latin typeface="Cambria Math"/>
+                      </a:rPr>
+                      <m:t>|</m:t>
+                    </m:r>
+                    <m:r>
+                      <a:rPr lang="en-US" sz="1200" i="1" baseline="-25000">
+                        <a:latin typeface="Cambria Math"/>
+                      </a:rPr>
+                      <m:t>𝑘</m:t>
+                    </m:r>
+                  </m:oMath>
+                </a14:m>
+                <a:r>
+                  <a:rPr lang="en-US" sz="1200" dirty="0" smtClean="0"/>
+                  <a:t> = Reach(</a:t>
+                </a:r>
+                <a14:m>
+                  <m:oMath xmlns:m="http://schemas.openxmlformats.org/officeDocument/2006/math">
+                    <m:acc>
+                      <m:accPr>
+                        <m:chr m:val="̅"/>
+                        <m:ctrlPr>
+                          <a:rPr lang="en-US" sz="1200" i="1" smtClean="0">
+                            <a:latin typeface="Cambria Math"/>
+                          </a:rPr>
+                        </m:ctrlPr>
+                      </m:accPr>
+                      <m:e>
+                        <m:r>
+                          <a:rPr lang="en-US" sz="1200" b="0" i="1" smtClean="0">
+                            <a:latin typeface="Cambria Math"/>
+                          </a:rPr>
+                          <m:t>𝑍</m:t>
+                        </m:r>
+                      </m:e>
+                    </m:acc>
+                    <m:r>
+                      <a:rPr lang="en-US" sz="1200" b="0" i="1" baseline="-25000" smtClean="0">
+                        <a:latin typeface="Cambria Math"/>
+                      </a:rPr>
+                      <m:t>𝑘</m:t>
+                    </m:r>
+                    <m:r>
+                      <a:rPr lang="en-US" sz="1200" b="0" i="1" baseline="-25000" smtClean="0">
+                        <a:latin typeface="Cambria Math"/>
+                      </a:rPr>
+                      <m:t>|</m:t>
+                    </m:r>
+                    <m:r>
+                      <a:rPr lang="en-US" sz="1200" b="0" i="1" baseline="-25000" smtClean="0">
+                        <a:latin typeface="Cambria Math"/>
+                      </a:rPr>
+                      <m:t>𝑘</m:t>
+                    </m:r>
+                    <m:r>
+                      <a:rPr lang="en-US" sz="1200" b="0" i="1" smtClean="0">
+                        <a:latin typeface="Cambria Math"/>
+                      </a:rPr>
+                      <m:t>,</m:t>
+                    </m:r>
+                    <m:acc>
+                      <m:accPr>
+                        <m:chr m:val="̅"/>
+                        <m:ctrlPr>
+                          <a:rPr lang="en-US" sz="1200" i="1" smtClean="0">
+                            <a:latin typeface="Cambria Math"/>
+                          </a:rPr>
+                        </m:ctrlPr>
+                      </m:accPr>
+                      <m:e>
+                        <m:r>
+                          <a:rPr lang="en-US" sz="1200" b="0" i="1" smtClean="0">
+                            <a:latin typeface="Cambria Math"/>
+                          </a:rPr>
+                          <m:t>𝑉</m:t>
+                        </m:r>
+                      </m:e>
+                    </m:acc>
+                    <m:r>
+                      <a:rPr lang="en-US" sz="1200" b="0" i="1" baseline="-25000" smtClean="0">
+                        <a:latin typeface="Cambria Math"/>
+                      </a:rPr>
+                      <m:t>𝑘</m:t>
+                    </m:r>
+                    <m:r>
+                      <a:rPr lang="en-US" sz="1200" b="0" i="1" baseline="-25000" smtClean="0">
+                        <a:latin typeface="Cambria Math"/>
+                      </a:rPr>
+                      <m:t>|</m:t>
+                    </m:r>
+                    <m:r>
+                      <a:rPr lang="en-US" sz="1200" b="0" i="1" baseline="-25000" smtClean="0">
+                        <a:latin typeface="Cambria Math"/>
+                      </a:rPr>
+                      <m:t>𝑘</m:t>
+                    </m:r>
+                    <m:r>
+                      <a:rPr lang="en-US" sz="1200" b="0" i="1" smtClean="0">
+                        <a:latin typeface="Cambria Math"/>
+                      </a:rPr>
+                      <m:t>,</m:t>
+                    </m:r>
+                    <m:r>
+                      <a:rPr lang="en-US" sz="1200" b="0" i="1" smtClean="0">
+                        <a:latin typeface="Cambria Math"/>
+                      </a:rPr>
+                      <m:t>𝑊</m:t>
+                    </m:r>
+                    <m:r>
+                      <a:rPr lang="en-US" sz="1200" b="0" i="1" smtClean="0">
+                        <a:latin typeface="Cambria Math"/>
+                      </a:rPr>
+                      <m:t>) </m:t>
+                    </m:r>
+                  </m:oMath>
+                </a14:m>
+                <a:r>
+                  <a:rPr lang="en-US" sz="1200" dirty="0" smtClean="0"/>
+                  <a:t>+</a:t>
+                </a:r>
+                <a14:m>
+                  <m:oMath xmlns:m="http://schemas.openxmlformats.org/officeDocument/2006/math">
+                    <m:r>
+                      <a:rPr lang="en-US" sz="1200" b="0" i="0" dirty="0" smtClean="0">
+                        <a:latin typeface="Cambria Math"/>
+                      </a:rPr>
+                      <m:t>2</m:t>
+                    </m:r>
+                    <m:acc>
+                      <m:accPr>
+                        <m:chr m:val="̃"/>
+                        <m:ctrlPr>
+                          <a:rPr lang="en-US" sz="1200" i="1" dirty="0" smtClean="0">
+                            <a:latin typeface="Cambria Math"/>
+                          </a:rPr>
+                        </m:ctrlPr>
+                      </m:accPr>
+                      <m:e>
+                        <m:r>
+                          <a:rPr lang="en-US" sz="1200" b="0" i="1" dirty="0" smtClean="0">
+                            <a:latin typeface="Cambria Math"/>
+                          </a:rPr>
+                          <m:t>𝐸</m:t>
+                        </m:r>
+                      </m:e>
+                    </m:acc>
+                    <m:r>
+                      <a:rPr lang="en-US" sz="1200" b="0" i="1" baseline="-25000" dirty="0" smtClean="0">
+                        <a:latin typeface="Cambria Math"/>
+                      </a:rPr>
+                      <m:t>𝑚𝑎𝑥</m:t>
+                    </m:r>
+                  </m:oMath>
+                </a14:m>
+                <a:endParaRPr lang="en-US" sz="1200" baseline="-25000" dirty="0"/>
+              </a:p>
+            </p:txBody>
+          </p:sp>
+        </mc:Choice>
+        <mc:Fallback>
+          <p:sp>
+            <p:nvSpPr>
+              <p:cNvPr id="55" name="TextBox 54"/>
+              <p:cNvSpPr txBox="1">
+                <a:spLocks noRot="1" noChangeAspect="1" noMove="1" noResize="1" noEditPoints="1" noAdjustHandles="1" noChangeArrowheads="1" noChangeShapeType="1" noTextEdit="1"/>
+              </p:cNvSpPr>
+              <p:nvPr/>
+            </p:nvSpPr>
+            <p:spPr>
+              <a:xfrm>
+                <a:off x="762000" y="2831632"/>
+                <a:ext cx="2541017" cy="280333"/>
+              </a:xfrm>
+              <a:prstGeom prst="rect">
+                <a:avLst/>
+              </a:prstGeom>
+              <a:blipFill rotWithShape="1">
+                <a:blip r:embed="rId10"/>
+                <a:stretch>
+                  <a:fillRect t="-4444" b="-20000"/>
+                </a:stretch>
+              </a:blipFill>
+            </p:spPr>
+            <p:txBody>
+              <a:bodyPr/>
+              <a:lstStyle/>
+              <a:p>
+                <a:r>
+                  <a:rPr lang="en-US">
+                    <a:noFill/>
+                  </a:rPr>
+                  <a:t> </a:t>
+                </a:r>
+              </a:p>
+            </p:txBody>
+          </p:sp>
+        </mc:Fallback>
+      </mc:AlternateContent>
+      <p:cxnSp>
+        <p:nvCxnSpPr>
+          <p:cNvPr id="56" name="Straight Arrow Connector 55"/>
+          <p:cNvCxnSpPr>
+            <a:stCxn id="55" idx="0"/>
+          </p:cNvCxnSpPr>
+          <p:nvPr/>
+        </p:nvCxnSpPr>
+        <p:spPr>
+          <a:xfrm flipV="1">
+            <a:off x="2032509" y="2436613"/>
+            <a:ext cx="700142" cy="395019"/>
+          </a:xfrm>
+          <a:prstGeom prst="straightConnector1">
+            <a:avLst/>
+          </a:prstGeom>
+          <a:ln w="19050">
+            <a:prstDash val="solid"/>
+            <a:tailEnd type="arrow"/>
+          </a:ln>
+        </p:spPr>
+        <p:style>
+          <a:lnRef idx="1">
+            <a:schemeClr val="accent1"/>
+          </a:lnRef>
+          <a:fillRef idx="0">
+            <a:schemeClr val="accent1"/>
+          </a:fillRef>
+          <a:effectRef idx="0">
+            <a:schemeClr val="accent1"/>
+          </a:effectRef>
+          <a:fontRef idx="minor">
+            <a:schemeClr val="tx1"/>
+          </a:fontRef>
+        </p:style>
+      </p:cxnSp>
+      <p:cxnSp>
+        <p:nvCxnSpPr>
+          <p:cNvPr id="60" name="Straight Arrow Connector 59"/>
+          <p:cNvCxnSpPr/>
+          <p:nvPr/>
+        </p:nvCxnSpPr>
+        <p:spPr>
+          <a:xfrm>
+            <a:off x="4426876" y="685800"/>
+            <a:ext cx="0" cy="454223"/>
+          </a:xfrm>
+          <a:prstGeom prst="straightConnector1">
+            <a:avLst/>
+          </a:prstGeom>
+          <a:ln w="19050">
+            <a:prstDash val="dashDot"/>
+            <a:tailEnd type="arrow"/>
+          </a:ln>
+        </p:spPr>
+        <p:style>
+          <a:lnRef idx="1">
+            <a:schemeClr val="accent1"/>
+          </a:lnRef>
+          <a:fillRef idx="0">
+            <a:schemeClr val="accent1"/>
+          </a:fillRef>
+          <a:effectRef idx="0">
+            <a:schemeClr val="accent1"/>
+          </a:effectRef>
+          <a:fontRef idx="minor">
+            <a:schemeClr val="tx1"/>
+          </a:fontRef>
+        </p:style>
+      </p:cxnSp>
+      <mc:AlternateContent xmlns:mc="http://schemas.openxmlformats.org/markup-compatibility/2006">
+        <mc:Choice xmlns:a14="http://schemas.microsoft.com/office/drawing/2010/main" Requires="a14">
+          <p:sp>
+            <p:nvSpPr>
+              <p:cNvPr id="67" name="TextBox 66"/>
+              <p:cNvSpPr txBox="1"/>
+              <p:nvPr/>
+            </p:nvSpPr>
+            <p:spPr>
+              <a:xfrm>
+                <a:off x="5071430" y="221488"/>
+                <a:ext cx="2943819" cy="280333"/>
+              </a:xfrm>
+              <a:prstGeom prst="rect">
+                <a:avLst/>
+              </a:prstGeom>
+              <a:noFill/>
+            </p:spPr>
+            <p:txBody>
+              <a:bodyPr wrap="none" rtlCol="0">
+                <a:spAutoFit/>
+              </a:bodyPr>
+              <a:lstStyle/>
+              <a:p>
+                <a14:m>
+                  <m:oMath xmlns:m="http://schemas.openxmlformats.org/officeDocument/2006/math">
+                    <m:acc>
+                      <m:accPr>
+                        <m:chr m:val="̅"/>
+                        <m:ctrlPr>
+                          <a:rPr lang="en-US" sz="1200" i="1" smtClean="0">
+                            <a:latin typeface="Cambria Math"/>
+                          </a:rPr>
+                        </m:ctrlPr>
+                      </m:accPr>
+                      <m:e>
+                        <m:r>
+                          <a:rPr lang="en-US" sz="1200" i="1">
+                            <a:latin typeface="Cambria Math"/>
+                          </a:rPr>
+                          <m:t>𝑍</m:t>
+                        </m:r>
+                      </m:e>
+                    </m:acc>
+                    <m:r>
+                      <a:rPr lang="en-US" sz="1200" i="1" baseline="-25000">
+                        <a:latin typeface="Cambria Math"/>
+                      </a:rPr>
+                      <m:t>𝑘</m:t>
+                    </m:r>
+                    <m:r>
+                      <a:rPr lang="en-US" sz="1200" b="0" i="1" baseline="-25000" smtClean="0">
+                        <a:latin typeface="Cambria Math"/>
+                      </a:rPr>
+                      <m:t>+</m:t>
+                    </m:r>
+                    <m:r>
+                      <a:rPr lang="en-US" sz="1200" b="0" i="1" baseline="-25000" smtClean="0">
+                        <a:latin typeface="Cambria Math"/>
+                      </a:rPr>
+                      <m:t>2</m:t>
+                    </m:r>
+                    <m:r>
+                      <a:rPr lang="en-US" sz="1200" i="1" baseline="-25000">
+                        <a:latin typeface="Cambria Math"/>
+                      </a:rPr>
+                      <m:t>|</m:t>
+                    </m:r>
+                    <m:r>
+                      <a:rPr lang="en-US" sz="1200" i="1" baseline="-25000">
+                        <a:latin typeface="Cambria Math"/>
+                      </a:rPr>
+                      <m:t>𝑘</m:t>
+                    </m:r>
+                  </m:oMath>
+                </a14:m>
+                <a:r>
+                  <a:rPr lang="en-US" sz="1200" dirty="0" smtClean="0"/>
+                  <a:t> = Reach(</a:t>
+                </a:r>
+                <a14:m>
+                  <m:oMath xmlns:m="http://schemas.openxmlformats.org/officeDocument/2006/math">
+                    <m:acc>
+                      <m:accPr>
+                        <m:chr m:val="̅"/>
+                        <m:ctrlPr>
+                          <a:rPr lang="en-US" sz="1200" i="1" smtClean="0">
+                            <a:latin typeface="Cambria Math"/>
+                          </a:rPr>
+                        </m:ctrlPr>
+                      </m:accPr>
+                      <m:e>
+                        <m:r>
+                          <a:rPr lang="en-US" sz="1200" b="0" i="1" smtClean="0">
+                            <a:latin typeface="Cambria Math"/>
+                          </a:rPr>
+                          <m:t>𝑍</m:t>
+                        </m:r>
+                      </m:e>
+                    </m:acc>
+                    <m:r>
+                      <a:rPr lang="en-US" sz="1200" b="0" i="1" baseline="-25000" smtClean="0">
+                        <a:latin typeface="Cambria Math"/>
+                      </a:rPr>
+                      <m:t>𝑘</m:t>
+                    </m:r>
+                    <m:r>
+                      <a:rPr lang="en-US" sz="1200" b="0" i="1" baseline="-25000" smtClean="0">
+                        <a:latin typeface="Cambria Math"/>
+                      </a:rPr>
+                      <m:t>+</m:t>
+                    </m:r>
+                    <m:r>
+                      <a:rPr lang="en-US" sz="1200" b="0" i="1" baseline="-25000" smtClean="0">
+                        <a:latin typeface="Cambria Math"/>
+                      </a:rPr>
+                      <m:t>1</m:t>
+                    </m:r>
+                    <m:r>
+                      <a:rPr lang="en-US" sz="1200" b="0" i="1" baseline="-25000" smtClean="0">
+                        <a:latin typeface="Cambria Math"/>
+                      </a:rPr>
+                      <m:t>|</m:t>
+                    </m:r>
+                    <m:r>
+                      <a:rPr lang="en-US" sz="1200" b="0" i="1" baseline="-25000" smtClean="0">
+                        <a:latin typeface="Cambria Math"/>
+                      </a:rPr>
+                      <m:t>𝑘</m:t>
+                    </m:r>
+                    <m:r>
+                      <a:rPr lang="en-US" sz="1200" b="0" i="1" smtClean="0">
+                        <a:latin typeface="Cambria Math"/>
+                      </a:rPr>
+                      <m:t>,</m:t>
+                    </m:r>
+                    <m:acc>
+                      <m:accPr>
+                        <m:chr m:val="̅"/>
+                        <m:ctrlPr>
+                          <a:rPr lang="en-US" sz="1200" i="1" smtClean="0">
+                            <a:latin typeface="Cambria Math"/>
+                          </a:rPr>
+                        </m:ctrlPr>
+                      </m:accPr>
+                      <m:e>
+                        <m:r>
+                          <a:rPr lang="en-US" sz="1200" b="0" i="1" smtClean="0">
+                            <a:latin typeface="Cambria Math"/>
+                          </a:rPr>
+                          <m:t>𝑉</m:t>
+                        </m:r>
+                      </m:e>
+                    </m:acc>
+                    <m:r>
+                      <a:rPr lang="en-US" sz="1200" b="0" i="1" baseline="-25000" smtClean="0">
+                        <a:latin typeface="Cambria Math"/>
+                      </a:rPr>
+                      <m:t>𝑘</m:t>
+                    </m:r>
+                    <m:r>
+                      <a:rPr lang="en-US" sz="1200" b="0" i="1" baseline="-25000" smtClean="0">
+                        <a:latin typeface="Cambria Math"/>
+                      </a:rPr>
+                      <m:t>+</m:t>
+                    </m:r>
+                    <m:r>
+                      <a:rPr lang="en-US" sz="1200" b="0" i="1" baseline="-25000" smtClean="0">
+                        <a:latin typeface="Cambria Math"/>
+                      </a:rPr>
+                      <m:t>1</m:t>
+                    </m:r>
+                    <m:r>
+                      <a:rPr lang="en-US" sz="1200" b="0" i="1" baseline="-25000" smtClean="0">
+                        <a:latin typeface="Cambria Math"/>
+                      </a:rPr>
+                      <m:t>|</m:t>
+                    </m:r>
+                    <m:r>
+                      <a:rPr lang="en-US" sz="1200" b="0" i="1" baseline="-25000" smtClean="0">
+                        <a:latin typeface="Cambria Math"/>
+                      </a:rPr>
+                      <m:t>𝑘</m:t>
+                    </m:r>
+                    <m:r>
+                      <a:rPr lang="en-US" sz="1200" b="0" i="1" smtClean="0">
+                        <a:latin typeface="Cambria Math"/>
+                      </a:rPr>
+                      <m:t>,</m:t>
+                    </m:r>
+                    <m:r>
+                      <a:rPr lang="en-US" sz="1200" b="0" i="1" smtClean="0">
+                        <a:latin typeface="Cambria Math"/>
+                      </a:rPr>
+                      <m:t>𝑊</m:t>
+                    </m:r>
+                    <m:r>
+                      <a:rPr lang="en-US" sz="1200" b="0" i="1" smtClean="0">
+                        <a:latin typeface="Cambria Math"/>
+                      </a:rPr>
+                      <m:t>) </m:t>
+                    </m:r>
+                  </m:oMath>
+                </a14:m>
+                <a:r>
+                  <a:rPr lang="en-US" sz="1200" dirty="0" smtClean="0"/>
+                  <a:t>+</a:t>
+                </a:r>
+                <a14:m>
+                  <m:oMath xmlns:m="http://schemas.openxmlformats.org/officeDocument/2006/math">
+                    <m:r>
+                      <a:rPr lang="en-US" sz="1200" b="0" i="0" dirty="0" smtClean="0">
+                        <a:latin typeface="Cambria Math"/>
+                      </a:rPr>
+                      <m:t>2</m:t>
+                    </m:r>
+                    <m:acc>
+                      <m:accPr>
+                        <m:chr m:val="̃"/>
+                        <m:ctrlPr>
+                          <a:rPr lang="en-US" sz="1200" i="1" dirty="0" smtClean="0">
+                            <a:latin typeface="Cambria Math"/>
+                          </a:rPr>
+                        </m:ctrlPr>
+                      </m:accPr>
+                      <m:e>
+                        <m:r>
+                          <a:rPr lang="en-US" sz="1200" b="0" i="1" dirty="0" smtClean="0">
+                            <a:latin typeface="Cambria Math"/>
+                          </a:rPr>
+                          <m:t>𝐸</m:t>
+                        </m:r>
+                      </m:e>
+                    </m:acc>
+                    <m:r>
+                      <a:rPr lang="en-US" sz="1200" b="0" i="1" baseline="-25000" dirty="0" smtClean="0">
+                        <a:latin typeface="Cambria Math"/>
+                      </a:rPr>
+                      <m:t>𝑚𝑎𝑥</m:t>
+                    </m:r>
+                  </m:oMath>
+                </a14:m>
+                <a:endParaRPr lang="en-US" sz="1200" baseline="-25000" dirty="0"/>
+              </a:p>
+            </p:txBody>
+          </p:sp>
+        </mc:Choice>
+        <mc:Fallback>
+          <p:sp>
+            <p:nvSpPr>
+              <p:cNvPr id="67" name="TextBox 66"/>
+              <p:cNvSpPr txBox="1">
+                <a:spLocks noRot="1" noChangeAspect="1" noMove="1" noResize="1" noEditPoints="1" noAdjustHandles="1" noChangeArrowheads="1" noChangeShapeType="1" noTextEdit="1"/>
+              </p:cNvSpPr>
+              <p:nvPr/>
+            </p:nvSpPr>
+            <p:spPr>
+              <a:xfrm>
+                <a:off x="5071430" y="221488"/>
+                <a:ext cx="2943819" cy="280333"/>
+              </a:xfrm>
+              <a:prstGeom prst="rect">
+                <a:avLst/>
+              </a:prstGeom>
+              <a:blipFill rotWithShape="1">
+                <a:blip r:embed="rId11"/>
+                <a:stretch>
+                  <a:fillRect t="-4348" b="-17391"/>
+                </a:stretch>
+              </a:blipFill>
+            </p:spPr>
+            <p:txBody>
+              <a:bodyPr/>
+              <a:lstStyle/>
+              <a:p>
+                <a:r>
+                  <a:rPr lang="en-US">
+                    <a:noFill/>
+                  </a:rPr>
+                  <a:t> </a:t>
+                </a:r>
+              </a:p>
+            </p:txBody>
+          </p:sp>
+        </mc:Fallback>
+      </mc:AlternateContent>
+      <p:cxnSp>
+        <p:nvCxnSpPr>
+          <p:cNvPr id="70" name="Straight Arrow Connector 69"/>
+          <p:cNvCxnSpPr/>
+          <p:nvPr/>
+        </p:nvCxnSpPr>
+        <p:spPr>
+          <a:xfrm flipH="1">
+            <a:off x="5882358" y="501821"/>
+            <a:ext cx="11206" cy="248408"/>
+          </a:xfrm>
+          <a:prstGeom prst="straightConnector1">
+            <a:avLst/>
+          </a:prstGeom>
+          <a:ln w="19050">
+            <a:prstDash val="solid"/>
+            <a:tailEnd type="arrow"/>
+          </a:ln>
+        </p:spPr>
+        <p:style>
+          <a:lnRef idx="1">
+            <a:schemeClr val="accent1"/>
+          </a:lnRef>
+          <a:fillRef idx="0">
+            <a:schemeClr val="accent1"/>
+          </a:fillRef>
+          <a:effectRef idx="0">
+            <a:schemeClr val="accent1"/>
+          </a:effectRef>
+          <a:fontRef idx="minor">
+            <a:schemeClr val="tx1"/>
+          </a:fontRef>
+        </p:style>
+      </p:cxnSp>
+      <mc:AlternateContent xmlns:mc="http://schemas.openxmlformats.org/markup-compatibility/2006">
+        <mc:Choice xmlns:a14="http://schemas.microsoft.com/office/drawing/2010/main" Requires="a14">
+          <p:sp>
+            <p:nvSpPr>
+              <p:cNvPr id="75" name="TextBox 74"/>
+              <p:cNvSpPr txBox="1"/>
+              <p:nvPr/>
+            </p:nvSpPr>
+            <p:spPr>
+              <a:xfrm>
+                <a:off x="5486400" y="3111965"/>
+                <a:ext cx="3548792" cy="280333"/>
+              </a:xfrm>
+              <a:prstGeom prst="rect">
+                <a:avLst/>
+              </a:prstGeom>
+              <a:noFill/>
+            </p:spPr>
+            <p:txBody>
+              <a:bodyPr wrap="none" rtlCol="0">
+                <a:spAutoFit/>
+              </a:bodyPr>
+              <a:lstStyle/>
+              <a:p>
+                <a14:m>
+                  <m:oMath xmlns:m="http://schemas.openxmlformats.org/officeDocument/2006/math">
+                    <m:acc>
+                      <m:accPr>
+                        <m:chr m:val="̅"/>
+                        <m:ctrlPr>
+                          <a:rPr lang="en-US" sz="1200" i="1" smtClean="0">
+                            <a:latin typeface="Cambria Math"/>
+                          </a:rPr>
+                        </m:ctrlPr>
+                      </m:accPr>
+                      <m:e>
+                        <m:r>
+                          <a:rPr lang="en-US" sz="1200" i="1">
+                            <a:latin typeface="Cambria Math"/>
+                          </a:rPr>
+                          <m:t>𝑍</m:t>
+                        </m:r>
+                      </m:e>
+                    </m:acc>
+                    <m:r>
+                      <a:rPr lang="en-US" sz="1200" i="1" baseline="-25000">
+                        <a:latin typeface="Cambria Math"/>
+                      </a:rPr>
+                      <m:t>𝑘</m:t>
+                    </m:r>
+                    <m:r>
+                      <a:rPr lang="en-US" sz="1200" b="0" i="1" baseline="-25000" smtClean="0">
+                        <a:latin typeface="Cambria Math"/>
+                      </a:rPr>
+                      <m:t>+</m:t>
+                    </m:r>
+                    <m:r>
+                      <a:rPr lang="en-US" sz="1200" b="0" i="1" baseline="-25000" smtClean="0">
+                        <a:latin typeface="Cambria Math"/>
+                      </a:rPr>
+                      <m:t>2</m:t>
+                    </m:r>
+                    <m:r>
+                      <a:rPr lang="en-US" sz="1200" i="1" baseline="-25000">
+                        <a:latin typeface="Cambria Math"/>
+                      </a:rPr>
+                      <m:t>|</m:t>
+                    </m:r>
+                    <m:r>
+                      <a:rPr lang="en-US" sz="1200" i="1" baseline="-25000">
+                        <a:latin typeface="Cambria Math"/>
+                      </a:rPr>
+                      <m:t>𝑘</m:t>
+                    </m:r>
+                    <m:r>
+                      <a:rPr lang="en-US" sz="1200" b="0" i="1" baseline="-25000" smtClean="0">
+                        <a:latin typeface="Cambria Math"/>
+                      </a:rPr>
+                      <m:t>+</m:t>
+                    </m:r>
+                    <m:r>
+                      <a:rPr lang="en-US" sz="1200" b="0" i="1" baseline="-25000" smtClean="0">
+                        <a:latin typeface="Cambria Math"/>
+                      </a:rPr>
+                      <m:t>1</m:t>
+                    </m:r>
+                  </m:oMath>
+                </a14:m>
+                <a:r>
+                  <a:rPr lang="en-US" sz="1200" dirty="0" smtClean="0"/>
+                  <a:t> = Reach(</a:t>
+                </a:r>
+                <a14:m>
+                  <m:oMath xmlns:m="http://schemas.openxmlformats.org/officeDocument/2006/math">
+                    <m:acc>
+                      <m:accPr>
+                        <m:chr m:val="̅"/>
+                        <m:ctrlPr>
+                          <a:rPr lang="en-US" sz="1200" i="1" smtClean="0">
+                            <a:latin typeface="Cambria Math"/>
+                          </a:rPr>
+                        </m:ctrlPr>
+                      </m:accPr>
+                      <m:e>
+                        <m:r>
+                          <a:rPr lang="en-US" sz="1200" b="0" i="1" smtClean="0">
+                            <a:latin typeface="Cambria Math"/>
+                          </a:rPr>
+                          <m:t>𝑍</m:t>
+                        </m:r>
+                      </m:e>
+                    </m:acc>
+                    <m:r>
+                      <a:rPr lang="en-US" sz="1200" b="0" i="1" baseline="-25000" smtClean="0">
+                        <a:latin typeface="Cambria Math"/>
+                      </a:rPr>
+                      <m:t>𝑘</m:t>
+                    </m:r>
+                    <m:r>
+                      <a:rPr lang="en-US" sz="1200" b="0" i="1" baseline="-25000" smtClean="0">
+                        <a:latin typeface="Cambria Math"/>
+                      </a:rPr>
+                      <m:t>+</m:t>
+                    </m:r>
+                    <m:r>
+                      <a:rPr lang="en-US" sz="1200" b="0" i="1" baseline="-25000" smtClean="0">
+                        <a:latin typeface="Cambria Math"/>
+                      </a:rPr>
+                      <m:t>1</m:t>
+                    </m:r>
+                    <m:d>
+                      <m:dPr>
+                        <m:begChr m:val="|"/>
+                        <m:endChr m:val="|"/>
+                        <m:ctrlPr>
+                          <a:rPr lang="en-US" sz="1200" b="0" i="1" baseline="-25000" smtClean="0">
+                            <a:latin typeface="Cambria Math"/>
+                          </a:rPr>
+                        </m:ctrlPr>
+                      </m:dPr>
+                      <m:e>
+                        <m:r>
+                          <a:rPr lang="en-US" sz="1200" b="0" i="1" baseline="-25000" smtClean="0">
+                            <a:latin typeface="Cambria Math"/>
+                          </a:rPr>
+                          <m:t>𝑘</m:t>
+                        </m:r>
+                        <m:r>
+                          <a:rPr lang="en-US" sz="1200" b="0" i="1" baseline="-25000" smtClean="0">
+                            <a:latin typeface="Cambria Math"/>
+                          </a:rPr>
+                          <m:t>+</m:t>
+                        </m:r>
+                        <m:r>
+                          <a:rPr lang="en-US" sz="1200" b="0" i="1" baseline="-25000" smtClean="0">
+                            <a:latin typeface="Cambria Math"/>
+                          </a:rPr>
+                          <m:t>1</m:t>
+                        </m:r>
+                        <m:r>
+                          <a:rPr lang="en-US" sz="1200" b="0" i="1" smtClean="0">
+                            <a:latin typeface="Cambria Math"/>
+                          </a:rPr>
+                          <m:t>,</m:t>
+                        </m:r>
+                        <m:acc>
+                          <m:accPr>
+                            <m:chr m:val="̅"/>
+                            <m:ctrlPr>
+                              <a:rPr lang="en-US" sz="1200" i="1" smtClean="0">
+                                <a:latin typeface="Cambria Math"/>
+                              </a:rPr>
+                            </m:ctrlPr>
+                          </m:accPr>
+                          <m:e>
+                            <m:r>
+                              <a:rPr lang="en-US" sz="1200" b="0" i="1" smtClean="0">
+                                <a:latin typeface="Cambria Math"/>
+                              </a:rPr>
+                              <m:t>𝑉</m:t>
+                            </m:r>
+                          </m:e>
+                        </m:acc>
+                        <m:r>
+                          <a:rPr lang="en-US" sz="1200" b="0" i="1" baseline="-25000" smtClean="0">
+                            <a:latin typeface="Cambria Math"/>
+                          </a:rPr>
+                          <m:t>𝑘</m:t>
+                        </m:r>
+                        <m:r>
+                          <a:rPr lang="en-US" sz="1200" b="0" i="1" baseline="-25000" smtClean="0">
+                            <a:latin typeface="Cambria Math"/>
+                          </a:rPr>
+                          <m:t>+</m:t>
+                        </m:r>
+                        <m:r>
+                          <a:rPr lang="en-US" sz="1200" b="0" i="1" baseline="-25000" smtClean="0">
+                            <a:latin typeface="Cambria Math"/>
+                          </a:rPr>
+                          <m:t>1</m:t>
+                        </m:r>
+                      </m:e>
+                    </m:d>
+                    <m:r>
+                      <a:rPr lang="en-US" sz="1200" b="0" i="1" baseline="-25000" smtClean="0">
+                        <a:latin typeface="Cambria Math"/>
+                      </a:rPr>
+                      <m:t>𝑘</m:t>
+                    </m:r>
+                    <m:r>
+                      <a:rPr lang="en-US" sz="1200" b="0" i="1" baseline="-25000" smtClean="0">
+                        <a:latin typeface="Cambria Math"/>
+                      </a:rPr>
+                      <m:t>+</m:t>
+                    </m:r>
+                    <m:r>
+                      <a:rPr lang="en-US" sz="1200" b="0" i="1" baseline="-25000" smtClean="0">
+                        <a:latin typeface="Cambria Math"/>
+                      </a:rPr>
+                      <m:t>1</m:t>
+                    </m:r>
+                    <m:r>
+                      <a:rPr lang="en-US" sz="1200" b="0" i="1" smtClean="0">
+                        <a:latin typeface="Cambria Math"/>
+                      </a:rPr>
+                      <m:t>,</m:t>
+                    </m:r>
+                    <m:r>
+                      <a:rPr lang="en-US" sz="1200" b="0" i="1" smtClean="0">
+                        <a:latin typeface="Cambria Math"/>
+                      </a:rPr>
+                      <m:t>𝑊</m:t>
+                    </m:r>
+                    <m:r>
+                      <a:rPr lang="en-US" sz="1200" b="0" i="1" smtClean="0">
+                        <a:latin typeface="Cambria Math"/>
+                      </a:rPr>
+                      <m:t>) </m:t>
+                    </m:r>
+                  </m:oMath>
+                </a14:m>
+                <a:r>
+                  <a:rPr lang="en-US" sz="1200" dirty="0" smtClean="0"/>
+                  <a:t>+</a:t>
+                </a:r>
+                <a14:m>
+                  <m:oMath xmlns:m="http://schemas.openxmlformats.org/officeDocument/2006/math">
+                    <m:r>
+                      <a:rPr lang="en-US" sz="1200" b="0" i="0" dirty="0" smtClean="0">
+                        <a:latin typeface="Cambria Math"/>
+                      </a:rPr>
+                      <m:t>2</m:t>
+                    </m:r>
+                    <m:acc>
+                      <m:accPr>
+                        <m:chr m:val="̃"/>
+                        <m:ctrlPr>
+                          <a:rPr lang="en-US" sz="1200" i="1" dirty="0" smtClean="0">
+                            <a:latin typeface="Cambria Math"/>
+                          </a:rPr>
+                        </m:ctrlPr>
+                      </m:accPr>
+                      <m:e>
+                        <m:r>
+                          <a:rPr lang="en-US" sz="1200" b="0" i="1" dirty="0" smtClean="0">
+                            <a:latin typeface="Cambria Math"/>
+                          </a:rPr>
+                          <m:t>𝐸</m:t>
+                        </m:r>
+                      </m:e>
+                    </m:acc>
+                    <m:r>
+                      <a:rPr lang="en-US" sz="1200" b="0" i="1" baseline="-25000" dirty="0" smtClean="0">
+                        <a:latin typeface="Cambria Math"/>
+                      </a:rPr>
+                      <m:t>𝑚𝑎𝑥</m:t>
+                    </m:r>
+                  </m:oMath>
+                </a14:m>
+                <a:endParaRPr lang="en-US" sz="1200" baseline="-25000" dirty="0"/>
+              </a:p>
+            </p:txBody>
+          </p:sp>
+        </mc:Choice>
+        <mc:Fallback>
+          <p:sp>
+            <p:nvSpPr>
+              <p:cNvPr id="75" name="TextBox 74"/>
+              <p:cNvSpPr txBox="1">
+                <a:spLocks noRot="1" noChangeAspect="1" noMove="1" noResize="1" noEditPoints="1" noAdjustHandles="1" noChangeArrowheads="1" noChangeShapeType="1" noTextEdit="1"/>
+              </p:cNvSpPr>
+              <p:nvPr/>
+            </p:nvSpPr>
+            <p:spPr>
+              <a:xfrm>
+                <a:off x="5486400" y="3111965"/>
+                <a:ext cx="3548792" cy="280333"/>
+              </a:xfrm>
+              <a:prstGeom prst="rect">
+                <a:avLst/>
+              </a:prstGeom>
+              <a:blipFill rotWithShape="1">
+                <a:blip r:embed="rId12"/>
+                <a:stretch>
+                  <a:fillRect t="-4348" b="-17391"/>
+                </a:stretch>
+              </a:blipFill>
+            </p:spPr>
+            <p:txBody>
+              <a:bodyPr/>
+              <a:lstStyle/>
+              <a:p>
+                <a:r>
+                  <a:rPr lang="en-US">
+                    <a:noFill/>
+                  </a:rPr>
+                  <a:t> </a:t>
+                </a:r>
+              </a:p>
+            </p:txBody>
+          </p:sp>
+        </mc:Fallback>
+      </mc:AlternateContent>
+      <p:cxnSp>
+        <p:nvCxnSpPr>
+          <p:cNvPr id="76" name="Straight Arrow Connector 75"/>
+          <p:cNvCxnSpPr/>
+          <p:nvPr/>
+        </p:nvCxnSpPr>
+        <p:spPr>
+          <a:xfrm flipH="1" flipV="1">
+            <a:off x="6125135" y="2971800"/>
+            <a:ext cx="1" cy="236249"/>
+          </a:xfrm>
+          <a:prstGeom prst="straightConnector1">
+            <a:avLst/>
+          </a:prstGeom>
+          <a:ln w="19050">
+            <a:solidFill>
+              <a:schemeClr val="tx1"/>
+            </a:solidFill>
+            <a:prstDash val="solid"/>
+            <a:tailEnd type="arrow"/>
+          </a:ln>
+        </p:spPr>
+        <p:style>
+          <a:lnRef idx="1">
+            <a:schemeClr val="accent1"/>
+          </a:lnRef>
+          <a:fillRef idx="0">
+            <a:schemeClr val="accent1"/>
+          </a:fillRef>
+          <a:effectRef idx="0">
+            <a:schemeClr val="accent1"/>
+          </a:effectRef>
+          <a:fontRef idx="minor">
+            <a:schemeClr val="tx1"/>
+          </a:fontRef>
+        </p:style>
+      </p:cxnSp>
+      <p:cxnSp>
+        <p:nvCxnSpPr>
+          <p:cNvPr id="80" name="Straight Connector 79"/>
+          <p:cNvCxnSpPr/>
+          <p:nvPr/>
+        </p:nvCxnSpPr>
+        <p:spPr>
+          <a:xfrm>
+            <a:off x="6324599" y="2951435"/>
+            <a:ext cx="2133601" cy="84055"/>
+          </a:xfrm>
+          <a:prstGeom prst="line">
+            <a:avLst/>
+          </a:prstGeom>
+          <a:ln w="19050">
+            <a:solidFill>
+              <a:schemeClr val="tx1"/>
+            </a:solidFill>
+            <a:prstDash val="sysDash"/>
+          </a:ln>
+        </p:spPr>
+        <p:style>
+          <a:lnRef idx="1">
+            <a:schemeClr val="accent1"/>
+          </a:lnRef>
+          <a:fillRef idx="0">
+            <a:schemeClr val="accent1"/>
+          </a:fillRef>
+          <a:effectRef idx="0">
+            <a:schemeClr val="accent1"/>
+          </a:effectRef>
+          <a:fontRef idx="minor">
+            <a:schemeClr val="tx1"/>
+          </a:fontRef>
+        </p:style>
+      </p:cxnSp>
+      <p:cxnSp>
+        <p:nvCxnSpPr>
+          <p:cNvPr id="82" name="Straight Connector 81"/>
+          <p:cNvCxnSpPr/>
+          <p:nvPr/>
+        </p:nvCxnSpPr>
+        <p:spPr>
+          <a:xfrm flipV="1">
+            <a:off x="7010400" y="609600"/>
+            <a:ext cx="874004" cy="149424"/>
+          </a:xfrm>
+          <a:prstGeom prst="line">
+            <a:avLst/>
+          </a:prstGeom>
+        </p:spPr>
+        <p:style>
+          <a:lnRef idx="1">
+            <a:schemeClr val="accent1"/>
+          </a:lnRef>
+          <a:fillRef idx="0">
+            <a:schemeClr val="accent1"/>
+          </a:fillRef>
+          <a:effectRef idx="0">
+            <a:schemeClr val="accent1"/>
+          </a:effectRef>
+          <a:fontRef idx="minor">
+            <a:schemeClr val="tx1"/>
+          </a:fontRef>
+        </p:style>
+      </p:cxnSp>
+      <p:cxnSp>
+        <p:nvCxnSpPr>
+          <p:cNvPr id="83" name="Straight Connector 82"/>
+          <p:cNvCxnSpPr/>
+          <p:nvPr/>
+        </p:nvCxnSpPr>
+        <p:spPr>
+          <a:xfrm>
+            <a:off x="7041775" y="2971798"/>
+            <a:ext cx="1129553" cy="108868"/>
+          </a:xfrm>
+          <a:prstGeom prst="line">
+            <a:avLst/>
+          </a:prstGeom>
+        </p:spPr>
+        <p:style>
+          <a:lnRef idx="1">
+            <a:schemeClr val="accent1"/>
+          </a:lnRef>
+          <a:fillRef idx="0">
+            <a:schemeClr val="accent1"/>
+          </a:fillRef>
+          <a:effectRef idx="0">
+            <a:schemeClr val="accent1"/>
+          </a:effectRef>
+          <a:fontRef idx="minor">
+            <a:schemeClr val="tx1"/>
+          </a:fontRef>
+        </p:style>
+      </p:cxnSp>
+      <p:cxnSp>
+        <p:nvCxnSpPr>
+          <p:cNvPr id="86" name="Straight Connector 85"/>
+          <p:cNvCxnSpPr/>
+          <p:nvPr/>
+        </p:nvCxnSpPr>
+        <p:spPr>
+          <a:xfrm flipV="1">
+            <a:off x="4114800" y="1922815"/>
+            <a:ext cx="1283465" cy="69391"/>
+          </a:xfrm>
+          <a:prstGeom prst="line">
+            <a:avLst/>
+          </a:prstGeom>
+          <a:ln w="19050">
+            <a:solidFill>
+              <a:schemeClr val="tx1"/>
+            </a:solidFill>
+            <a:prstDash val="sysDash"/>
+          </a:ln>
+        </p:spPr>
+        <p:style>
+          <a:lnRef idx="1">
+            <a:schemeClr val="accent1"/>
+          </a:lnRef>
+          <a:fillRef idx="0">
+            <a:schemeClr val="accent1"/>
+          </a:fillRef>
+          <a:effectRef idx="0">
+            <a:schemeClr val="accent1"/>
+          </a:effectRef>
+          <a:fontRef idx="minor">
+            <a:schemeClr val="tx1"/>
+          </a:fontRef>
+        </p:style>
+      </p:cxnSp>
     </p:spTree>
     <p:extLst>
       <p:ext uri="{BB962C8B-B14F-4D97-AF65-F5344CB8AC3E}">
